--- a/slides/2017/linux_crash_dump_analysis.pptx
+++ b/slides/2017/linux_crash_dump_analysis.pptx
@@ -34,11 +34,16 @@
     <p:sldId id="291" r:id="rId28"/>
     <p:sldId id="282" r:id="rId29"/>
     <p:sldId id="283" r:id="rId30"/>
-    <p:sldId id="296" r:id="rId31"/>
-    <p:sldId id="297" r:id="rId32"/>
-    <p:sldId id="298" r:id="rId33"/>
-    <p:sldId id="284" r:id="rId34"/>
-    <p:sldId id="285" r:id="rId35"/>
+    <p:sldId id="299" r:id="rId31"/>
+    <p:sldId id="300" r:id="rId32"/>
+    <p:sldId id="301" r:id="rId33"/>
+    <p:sldId id="302" r:id="rId34"/>
+    <p:sldId id="304" r:id="rId35"/>
+    <p:sldId id="296" r:id="rId36"/>
+    <p:sldId id="297" r:id="rId37"/>
+    <p:sldId id="298" r:id="rId38"/>
+    <p:sldId id="284" r:id="rId39"/>
+    <p:sldId id="285" r:id="rId40"/>
   </p:sldIdLst>
   <p:sldSz cx="9144000" cy="6858000" type="screen4x3"/>
   <p:notesSz cx="6858000" cy="9144000"/>
@@ -397,7 +402,7 @@
           <a:p>
             <a:fld id="{D140825E-4A15-4D39-8176-1F07E904CB30}" type="datetimeFigureOut">
               <a:rPr lang="en-US" smtClean="0"/>
-              <a:t>17/7/19</a:t>
+              <a:t>17/7/20</a:t>
             </a:fld>
             <a:endParaRPr lang="en-US"/>
           </a:p>
@@ -542,7 +547,7 @@
           <a:p>
             <a:fld id="{D140825E-4A15-4D39-8176-1F07E904CB30}" type="datetimeFigureOut">
               <a:rPr lang="en-US" smtClean="0"/>
-              <a:t>17/7/19</a:t>
+              <a:t>17/7/20</a:t>
             </a:fld>
             <a:endParaRPr lang="en-US"/>
           </a:p>
@@ -999,7 +1004,7 @@
           <a:p>
             <a:fld id="{D140825E-4A15-4D39-8176-1F07E904CB30}" type="datetimeFigureOut">
               <a:rPr lang="en-US" smtClean="0"/>
-              <a:t>17/7/19</a:t>
+              <a:t>17/7/20</a:t>
             </a:fld>
             <a:endParaRPr lang="en-US"/>
           </a:p>
@@ -1367,7 +1372,7 @@
           <a:p>
             <a:fld id="{D140825E-4A15-4D39-8176-1F07E904CB30}" type="datetimeFigureOut">
               <a:rPr lang="en-US" smtClean="0"/>
-              <a:t>17/7/19</a:t>
+              <a:t>17/7/20</a:t>
             </a:fld>
             <a:endParaRPr lang="en-US"/>
           </a:p>
@@ -1457,7 +1462,7 @@
           <a:p>
             <a:fld id="{D140825E-4A15-4D39-8176-1F07E904CB30}" type="datetimeFigureOut">
               <a:rPr lang="en-US" smtClean="0"/>
-              <a:t>17/7/19</a:t>
+              <a:t>17/7/20</a:t>
             </a:fld>
             <a:endParaRPr lang="en-US"/>
           </a:p>
@@ -1735,7 +1740,7 @@
           <a:p>
             <a:fld id="{D140825E-4A15-4D39-8176-1F07E904CB30}" type="datetimeFigureOut">
               <a:rPr lang="en-US" smtClean="0"/>
-              <a:t>17/7/19</a:t>
+              <a:t>17/7/20</a:t>
             </a:fld>
             <a:endParaRPr lang="en-US"/>
           </a:p>
@@ -1928,7 +1933,7 @@
           <a:p>
             <a:fld id="{D140825E-4A15-4D39-8176-1F07E904CB30}" type="datetimeFigureOut">
               <a:rPr lang="en-US" smtClean="0"/>
-              <a:t>17/7/19</a:t>
+              <a:t>17/7/20</a:t>
             </a:fld>
             <a:endParaRPr lang="en-US"/>
           </a:p>
@@ -2670,7 +2675,7 @@
           <a:p>
             <a:fld id="{D140825E-4A15-4D39-8176-1F07E904CB30}" type="datetimeFigureOut">
               <a:rPr lang="en-US" smtClean="0"/>
-              <a:t>17/7/19</a:t>
+              <a:t>17/7/20</a:t>
             </a:fld>
             <a:endParaRPr lang="en-US"/>
           </a:p>
@@ -3008,7 +3013,7 @@
           <a:p>
             <a:fld id="{D140825E-4A15-4D39-8176-1F07E904CB30}" type="datetimeFigureOut">
               <a:rPr lang="en-US" smtClean="0"/>
-              <a:t>17/7/19</a:t>
+              <a:t>17/7/20</a:t>
             </a:fld>
             <a:endParaRPr lang="en-US"/>
           </a:p>
@@ -3605,7 +3610,7 @@
           <a:p>
             <a:fld id="{D140825E-4A15-4D39-8176-1F07E904CB30}" type="datetimeFigureOut">
               <a:rPr lang="en-US" smtClean="0"/>
-              <a:t>17/7/19</a:t>
+              <a:t>17/7/20</a:t>
             </a:fld>
             <a:endParaRPr lang="en-US"/>
           </a:p>
@@ -3788,7 +3793,7 @@
           <a:p>
             <a:fld id="{D140825E-4A15-4D39-8176-1F07E904CB30}" type="datetimeFigureOut">
               <a:rPr lang="en-US" smtClean="0"/>
-              <a:t>17/7/19</a:t>
+              <a:t>17/7/20</a:t>
             </a:fld>
             <a:endParaRPr lang="en-US"/>
           </a:p>
@@ -3957,7 +3962,7 @@
           <a:p>
             <a:fld id="{D140825E-4A15-4D39-8176-1F07E904CB30}" type="datetimeFigureOut">
               <a:rPr lang="en-US" smtClean="0"/>
-              <a:t>17/7/19</a:t>
+              <a:t>17/7/20</a:t>
             </a:fld>
             <a:endParaRPr lang="en-US"/>
           </a:p>
@@ -4150,7 +4155,7 @@
           <a:p>
             <a:fld id="{D140825E-4A15-4D39-8176-1F07E904CB30}" type="datetimeFigureOut">
               <a:rPr lang="en-US" smtClean="0"/>
-              <a:t>17/7/19</a:t>
+              <a:t>17/7/20</a:t>
             </a:fld>
             <a:endParaRPr lang="en-US"/>
           </a:p>
@@ -4569,7 +4574,7 @@
           <a:p>
             <a:fld id="{D140825E-4A15-4D39-8176-1F07E904CB30}" type="datetimeFigureOut">
               <a:rPr lang="en-US" smtClean="0"/>
-              <a:t>17/7/19</a:t>
+              <a:t>17/7/20</a:t>
             </a:fld>
             <a:endParaRPr lang="en-US"/>
           </a:p>
@@ -4867,7 +4872,7 @@
           <a:p>
             <a:fld id="{D140825E-4A15-4D39-8176-1F07E904CB30}" type="datetimeFigureOut">
               <a:rPr lang="en-US" smtClean="0"/>
-              <a:t>17/7/19</a:t>
+              <a:t>17/7/20</a:t>
             </a:fld>
             <a:endParaRPr lang="en-US"/>
           </a:p>
@@ -5268,7 +5273,7 @@
           <a:p>
             <a:fld id="{D140825E-4A15-4D39-8176-1F07E904CB30}" type="datetimeFigureOut">
               <a:rPr lang="en-US" smtClean="0"/>
-              <a:t>17/7/19</a:t>
+              <a:t>17/7/20</a:t>
             </a:fld>
             <a:endParaRPr lang="en-US"/>
           </a:p>
@@ -5658,7 +5663,7 @@
           <a:p>
             <a:fld id="{D140825E-4A15-4D39-8176-1F07E904CB30}" type="datetimeFigureOut">
               <a:rPr lang="en-US" smtClean="0"/>
-              <a:t>17/7/19</a:t>
+              <a:t>17/7/20</a:t>
             </a:fld>
             <a:endParaRPr lang="en-US"/>
           </a:p>
@@ -5941,7 +5946,7 @@
           <a:p>
             <a:fld id="{D140825E-4A15-4D39-8176-1F07E904CB30}" type="datetimeFigureOut">
               <a:rPr lang="en-US" smtClean="0"/>
-              <a:t>17/7/19</a:t>
+              <a:t>17/7/20</a:t>
             </a:fld>
             <a:endParaRPr lang="en-US"/>
           </a:p>
@@ -6380,7 +6385,7 @@
           <a:p>
             <a:fld id="{D140825E-4A15-4D39-8176-1F07E904CB30}" type="datetimeFigureOut">
               <a:rPr lang="en-US" smtClean="0"/>
-              <a:t>17/7/19</a:t>
+              <a:t>17/7/20</a:t>
             </a:fld>
             <a:endParaRPr lang="en-US"/>
           </a:p>
@@ -6674,7 +6679,7 @@
           <a:p>
             <a:fld id="{D140825E-4A15-4D39-8176-1F07E904CB30}" type="datetimeFigureOut">
               <a:rPr lang="en-US" smtClean="0"/>
-              <a:t>17/7/19</a:t>
+              <a:t>17/7/20</a:t>
             </a:fld>
             <a:endParaRPr lang="en-US"/>
           </a:p>
@@ -6966,7 +6971,7 @@
           <a:p>
             <a:fld id="{D140825E-4A15-4D39-8176-1F07E904CB30}" type="datetimeFigureOut">
               <a:rPr lang="en-US" smtClean="0"/>
-              <a:t>17/7/19</a:t>
+              <a:t>17/7/20</a:t>
             </a:fld>
             <a:endParaRPr lang="en-US"/>
           </a:p>
@@ -7434,13 +7439,16 @@
           <a:p>
             <a:r>
               <a:rPr kumimoji="1" lang="en-US" altLang="zh-CN" dirty="0" smtClean="0"/>
-              <a:t>Oliver </a:t>
+              <a:t>Oliver Yang    </a:t>
             </a:r>
             <a:r>
               <a:rPr kumimoji="1" lang="en-US" altLang="zh-CN" dirty="0" smtClean="0"/>
-              <a:t>Yang    Jul 20, 2017</a:t>
-            </a:r>
-            <a:endParaRPr kumimoji="1" lang="en-US" altLang="zh-CN" dirty="0" smtClean="0"/>
+              <a:t>Jul, </a:t>
+            </a:r>
+            <a:r>
+              <a:rPr kumimoji="1" lang="en-US" altLang="zh-CN" dirty="0" smtClean="0"/>
+              <a:t>2017</a:t>
+            </a:r>
           </a:p>
           <a:p>
             <a:r>
@@ -11486,11 +11494,7 @@
             </a:r>
             <a:r>
               <a:rPr lang="en-US" altLang="zh-CN" dirty="0" smtClean="0"/>
-              <a:t>key kernel data structures &amp; meta </a:t>
-            </a:r>
-            <a:r>
-              <a:rPr lang="en-US" altLang="zh-CN" dirty="0" smtClean="0"/>
-              <a:t>data</a:t>
+              <a:t>key kernel data structures &amp; meta data</a:t>
             </a:r>
           </a:p>
           <a:p>
@@ -11510,20 +11514,11 @@
               </a:rPr>
               <a:t>Also working for live system</a:t>
             </a:r>
-            <a:endParaRPr lang="en-US" altLang="zh-CN" dirty="0" smtClean="0">
-              <a:solidFill>
-                <a:srgbClr val="FF0000"/>
-              </a:solidFill>
-            </a:endParaRPr>
           </a:p>
           <a:p>
             <a:r>
               <a:rPr lang="en-US" altLang="zh-CN" dirty="0" smtClean="0"/>
-              <a:t>Can be </a:t>
-            </a:r>
-            <a:r>
-              <a:rPr lang="en-US" altLang="zh-CN" dirty="0" smtClean="0"/>
-              <a:t>extended via</a:t>
+              <a:t>Can be extended via</a:t>
             </a:r>
             <a:r>
               <a:rPr lang="mr-IN" altLang="zh-CN" dirty="0" smtClean="0"/>
@@ -11535,11 +11530,7 @@
             <a:pPr lvl="1"/>
             <a:r>
               <a:rPr lang="en-US" altLang="zh-CN" dirty="0" smtClean="0"/>
-              <a:t>Patch </a:t>
-            </a:r>
-            <a:r>
-              <a:rPr lang="en-US" altLang="zh-CN" dirty="0" smtClean="0"/>
-              <a:t>contributions to core commands</a:t>
+              <a:t>Patch contributions to core commands</a:t>
             </a:r>
           </a:p>
           <a:p>
@@ -11568,13 +11559,8 @@
             <a:pPr lvl="1"/>
             <a:r>
               <a:rPr lang="en-US" altLang="zh-CN" dirty="0" smtClean="0"/>
-              <a:t>Python </a:t>
-            </a:r>
-            <a:r>
-              <a:rPr lang="en-US" altLang="zh-CN" dirty="0" smtClean="0"/>
-              <a:t>scripts</a:t>
-            </a:r>
-            <a:endParaRPr lang="en-US" altLang="zh-CN" dirty="0" smtClean="0"/>
+              <a:t>Python scripts</a:t>
+            </a:r>
           </a:p>
           <a:p>
             <a:pPr lvl="1"/>
@@ -11588,7 +11574,6 @@
               <a:rPr lang="en-US" altLang="zh-CN" dirty="0" smtClean="0"/>
               <a:t> scripts</a:t>
             </a:r>
-            <a:endParaRPr lang="en-US" altLang="zh-CN" dirty="0" smtClean="0"/>
           </a:p>
           <a:p>
             <a:pPr lvl="1"/>
@@ -11769,11 +11754,7 @@
             </a:r>
             <a:r>
               <a:rPr lang="en-US" altLang="zh-CN" dirty="0"/>
-              <a:t> </a:t>
-            </a:r>
-            <a:r>
-              <a:rPr lang="en-US" altLang="zh-CN" dirty="0"/>
-              <a:t>&amp;</a:t>
+              <a:t> &amp;</a:t>
             </a:r>
             <a:r>
               <a:rPr lang="en-US" altLang="zh-CN" dirty="0" smtClean="0"/>
@@ -11801,15 +11782,7 @@
                   <a:srgbClr val="FF0000"/>
                 </a:solidFill>
               </a:rPr>
-              <a:t>help </a:t>
-            </a:r>
-            <a:r>
-              <a:rPr kumimoji="1" lang="en-US" altLang="zh-CN" dirty="0" smtClean="0">
-                <a:solidFill>
-                  <a:srgbClr val="FF0000"/>
-                </a:solidFill>
-              </a:rPr>
-              <a:t>&lt;command&gt; </a:t>
+              <a:t>help &lt;command&gt; </a:t>
             </a:r>
             <a:r>
               <a:rPr kumimoji="1" lang="en-US" altLang="zh-CN" dirty="0" smtClean="0"/>
@@ -12676,13 +12649,8 @@
           <a:p>
             <a:r>
               <a:rPr kumimoji="1" lang="en-US" altLang="zh-CN" dirty="0" smtClean="0"/>
-              <a:t>Case </a:t>
-            </a:r>
-            <a:r>
-              <a:rPr kumimoji="1" lang="en-US" altLang="zh-CN" dirty="0" smtClean="0"/>
-              <a:t>Studies</a:t>
-            </a:r>
-            <a:endParaRPr kumimoji="1" lang="en-US" altLang="zh-CN" dirty="0" smtClean="0"/>
+              <a:t>Case Studies</a:t>
+            </a:r>
           </a:p>
           <a:p>
             <a:r>
@@ -12792,7 +12760,7 @@
         <p:spPr>
           <a:xfrm>
             <a:off x="1562100" y="3035300"/>
-            <a:ext cx="7478713" cy="923330"/>
+            <a:ext cx="7478713" cy="3693319"/>
           </a:xfrm>
           <a:prstGeom prst="rect">
             <a:avLst/>
@@ -12816,6 +12784,9 @@
           <a:p>
             <a:r>
               <a:rPr lang="mr-IN" altLang="zh-CN" dirty="0">
+                <a:solidFill>
+                  <a:srgbClr val="FF0000"/>
+                </a:solidFill>
                 <a:latin typeface="Goudy Old Style"/>
                 <a:cs typeface="Goudy Old Style"/>
               </a:rPr>
@@ -12823,6 +12794,9 @@
             </a:r>
             <a:r>
               <a:rPr lang="mr-IN" altLang="zh-CN" dirty="0" smtClean="0">
+                <a:solidFill>
+                  <a:srgbClr val="FF0000"/>
+                </a:solidFill>
                 <a:latin typeface="Goudy Old Style"/>
                 <a:cs typeface="Goudy Old Style"/>
               </a:rPr>
@@ -12830,6 +12804,9 @@
             </a:r>
             <a:r>
               <a:rPr lang="mr-IN" altLang="zh-CN" dirty="0">
+                <a:solidFill>
+                  <a:srgbClr val="FF0000"/>
+                </a:solidFill>
                 <a:latin typeface="Goudy Old Style"/>
                 <a:cs typeface="Goudy Old Style"/>
               </a:rPr>
@@ -12851,6 +12828,152 @@
               </a:rPr>
               <a:t>ud2</a:t>
             </a:r>
+          </a:p>
+          <a:p>
+            <a:endParaRPr lang="en-US" altLang="zh-CN" dirty="0">
+              <a:latin typeface="Goudy Old Style"/>
+              <a:cs typeface="Goudy Old Style"/>
+            </a:endParaRPr>
+          </a:p>
+          <a:p>
+            <a:r>
+              <a:rPr lang="en-US" altLang="zh-CN" dirty="0">
+                <a:latin typeface="Goudy Old Style"/>
+                <a:cs typeface="Goudy Old Style"/>
+              </a:rPr>
+              <a:t>crash&gt; l *cgroup_diput+192</a:t>
+            </a:r>
+          </a:p>
+          <a:p>
+            <a:r>
+              <a:rPr lang="en-US" altLang="zh-CN" dirty="0">
+                <a:latin typeface="Goudy Old Style"/>
+                <a:cs typeface="Goudy Old Style"/>
+              </a:rPr>
+              <a:t>0xffffffff810f9280 is in </a:t>
+            </a:r>
+            <a:r>
+              <a:rPr lang="en-US" altLang="zh-CN" dirty="0" err="1">
+                <a:latin typeface="Goudy Old Style"/>
+                <a:cs typeface="Goudy Old Style"/>
+              </a:rPr>
+              <a:t>cgroup_diput</a:t>
+            </a:r>
+            <a:r>
+              <a:rPr lang="en-US" altLang="zh-CN" dirty="0">
+                <a:latin typeface="Goudy Old Style"/>
+                <a:cs typeface="Goudy Old Style"/>
+              </a:rPr>
+              <a:t> (kernel/cgroup.c:889).</a:t>
+            </a:r>
+          </a:p>
+          <a:p>
+            <a:r>
+              <a:rPr lang="mr-IN" altLang="zh-CN" dirty="0">
+                <a:latin typeface="Goudy Old Style"/>
+                <a:cs typeface="Goudy Old Style"/>
+              </a:rPr>
+              <a:t>884     {</a:t>
+            </a:r>
+          </a:p>
+          <a:p>
+            <a:r>
+              <a:rPr lang="en-US" altLang="zh-CN" dirty="0">
+                <a:latin typeface="Goudy Old Style"/>
+                <a:cs typeface="Goudy Old Style"/>
+              </a:rPr>
+              <a:t>885             /* is </a:t>
+            </a:r>
+            <a:r>
+              <a:rPr lang="en-US" altLang="zh-CN" dirty="0" err="1">
+                <a:latin typeface="Goudy Old Style"/>
+                <a:cs typeface="Goudy Old Style"/>
+              </a:rPr>
+              <a:t>dentry</a:t>
+            </a:r>
+            <a:r>
+              <a:rPr lang="en-US" altLang="zh-CN" dirty="0">
+                <a:latin typeface="Goudy Old Style"/>
+                <a:cs typeface="Goudy Old Style"/>
+              </a:rPr>
+              <a:t> a directory ? if so, </a:t>
+            </a:r>
+            <a:r>
+              <a:rPr lang="en-US" altLang="zh-CN" dirty="0" err="1">
+                <a:latin typeface="Goudy Old Style"/>
+                <a:cs typeface="Goudy Old Style"/>
+              </a:rPr>
+              <a:t>kfree</a:t>
+            </a:r>
+            <a:r>
+              <a:rPr lang="en-US" altLang="zh-CN" dirty="0">
+                <a:latin typeface="Goudy Old Style"/>
+                <a:cs typeface="Goudy Old Style"/>
+              </a:rPr>
+              <a:t>() associated cgroup */</a:t>
+            </a:r>
+          </a:p>
+          <a:p>
+            <a:r>
+              <a:rPr lang="mr-IN" altLang="zh-CN" dirty="0">
+                <a:latin typeface="Goudy Old Style"/>
+                <a:cs typeface="Goudy Old Style"/>
+              </a:rPr>
+              <a:t>886             if (S_ISDIR(inode-&gt;i_mode)) {</a:t>
+            </a:r>
+          </a:p>
+          <a:p>
+            <a:r>
+              <a:rPr lang="mr-IN" altLang="zh-CN" dirty="0">
+                <a:latin typeface="Goudy Old Style"/>
+                <a:cs typeface="Goudy Old Style"/>
+              </a:rPr>
+              <a:t>887                     struct cgroup *cgrp = dentry-&gt;d_fsdata;</a:t>
+            </a:r>
+          </a:p>
+          <a:p>
+            <a:r>
+              <a:rPr lang="mr-IN" altLang="zh-CN" dirty="0">
+                <a:latin typeface="Goudy Old Style"/>
+                <a:cs typeface="Goudy Old Style"/>
+              </a:rPr>
+              <a:t>888</a:t>
+            </a:r>
+          </a:p>
+          <a:p>
+            <a:r>
+              <a:rPr lang="mr-IN" altLang="zh-CN" dirty="0">
+                <a:solidFill>
+                  <a:srgbClr val="FF0000"/>
+                </a:solidFill>
+                <a:latin typeface="Goudy Old Style"/>
+                <a:cs typeface="Goudy Old Style"/>
+              </a:rPr>
+              <a:t>889                     BUG_ON(!(cgroup_is_removed(cgrp)))</a:t>
+            </a:r>
+            <a:r>
+              <a:rPr lang="mr-IN" altLang="zh-CN" dirty="0" smtClean="0">
+                <a:solidFill>
+                  <a:srgbClr val="FF0000"/>
+                </a:solidFill>
+                <a:latin typeface="Goudy Old Style"/>
+                <a:cs typeface="Goudy Old Style"/>
+              </a:rPr>
+              <a:t>;</a:t>
+            </a:r>
+            <a:endParaRPr lang="en-US" altLang="zh-CN" dirty="0" smtClean="0">
+              <a:solidFill>
+                <a:srgbClr val="FF0000"/>
+              </a:solidFill>
+              <a:latin typeface="Goudy Old Style"/>
+              <a:cs typeface="Goudy Old Style"/>
+            </a:endParaRPr>
+          </a:p>
+          <a:p>
+            <a:endParaRPr lang="en-US" altLang="zh-CN" dirty="0">
+              <a:latin typeface="Goudy Old Style"/>
+              <a:cs typeface="Goudy Old Style"/>
+            </a:endParaRPr>
           </a:p>
         </p:txBody>
       </p:sp>
@@ -13261,15 +13384,7 @@
             </a:r>
             <a:r>
               <a:rPr kumimoji="1" lang="en-US" altLang="zh-CN" dirty="0" smtClean="0"/>
-              <a:t>64 </a:t>
-            </a:r>
-            <a:r>
-              <a:rPr kumimoji="1" lang="en-US" altLang="zh-CN" dirty="0" smtClean="0"/>
-              <a:t>S</a:t>
-            </a:r>
-            <a:r>
-              <a:rPr kumimoji="1" lang="en-US" altLang="zh-CN" dirty="0" smtClean="0"/>
-              <a:t>tack Frame</a:t>
+              <a:t>64 Stack Frame</a:t>
             </a:r>
             <a:endParaRPr kumimoji="1" lang="zh-CN" altLang="en-US" dirty="0"/>
           </a:p>
@@ -14587,11 +14702,7 @@
             <a:pPr algn="l"/>
             <a:r>
               <a:rPr kumimoji="1" lang="en-US" altLang="zh-CN" dirty="0" smtClean="0"/>
-              <a:t>Heap</a:t>
-            </a:r>
-            <a:r>
-              <a:rPr kumimoji="1" lang="en-US" altLang="zh-CN" dirty="0" smtClean="0"/>
-              <a:t>/</a:t>
+              <a:t>Heap/</a:t>
             </a:r>
             <a:r>
               <a:rPr kumimoji="1" lang="en-US" altLang="zh-CN" dirty="0" err="1"/>
@@ -15079,7 +15190,11 @@
           <a:p>
             <a:r>
               <a:rPr lang="en-US" altLang="zh-CN" sz="2400" dirty="0" smtClean="0"/>
-              <a:t>“Computers </a:t>
+              <a:t>“</a:t>
+            </a:r>
+            <a:r>
+              <a:rPr lang="en-US" altLang="zh-CN" sz="2400" dirty="0" smtClean="0"/>
+              <a:t>Computers </a:t>
             </a:r>
             <a:r>
               <a:rPr lang="en-US" altLang="zh-CN" sz="2400" dirty="0"/>
@@ -15089,6 +15204,7 @@
               <a:rPr lang="en-US" altLang="zh-CN" sz="2400" dirty="0" smtClean="0"/>
               <a:t>.”</a:t>
             </a:r>
+            <a:endParaRPr lang="en-US" altLang="zh-CN" sz="2400" dirty="0" smtClean="0"/>
           </a:p>
           <a:p>
             <a:r>
@@ -15111,7 +15227,31 @@
               <a:rPr kumimoji="1" lang="en-US" altLang="zh-CN" dirty="0" smtClean="0">
                 <a:hlinkClick r:id="rId2"/>
               </a:rPr>
-              <a:t>the “panic” book </a:t>
+              <a:t>the </a:t>
+            </a:r>
+            <a:r>
+              <a:rPr kumimoji="1" lang="en-US" altLang="zh-CN" dirty="0" smtClean="0">
+                <a:hlinkClick r:id="rId2"/>
+              </a:rPr>
+              <a:t>“panic</a:t>
+            </a:r>
+            <a:r>
+              <a:rPr kumimoji="1" lang="en-US" altLang="zh-CN" dirty="0" smtClean="0">
+                <a:hlinkClick r:id="rId2"/>
+              </a:rPr>
+              <a:t>”</a:t>
+            </a:r>
+            <a:r>
+              <a:rPr kumimoji="1" lang="en-US" altLang="zh-CN" dirty="0" smtClean="0">
+                <a:hlinkClick r:id="rId2"/>
+              </a:rPr>
+              <a:t> </a:t>
+            </a:r>
+            <a:r>
+              <a:rPr kumimoji="1" lang="en-US" altLang="zh-CN" dirty="0" smtClean="0">
+                <a:hlinkClick r:id="rId2"/>
+              </a:rPr>
+              <a:t>book </a:t>
             </a:r>
             <a:endParaRPr kumimoji="1" lang="en-US" altLang="zh-CN" dirty="0"/>
           </a:p>
@@ -15162,82 +15302,214 @@
           <a:bodyPr/>
           <a:lstStyle/>
           <a:p>
+            <a:pPr algn="l"/>
             <a:r>
               <a:rPr kumimoji="1" lang="en-US" altLang="zh-CN" dirty="0" smtClean="0"/>
-              <a:t>Agenda</a:t>
+              <a:t>Global Variables Dump</a:t>
             </a:r>
             <a:endParaRPr kumimoji="1" lang="zh-CN" altLang="en-US" dirty="0"/>
           </a:p>
         </p:txBody>
       </p:sp>
-      <p:sp>
-        <p:nvSpPr>
-          <p:cNvPr id="3" name="内容占位符 2"/>
-          <p:cNvSpPr>
-            <a:spLocks noGrp="1"/>
-          </p:cNvSpPr>
+      <p:pic>
+        <p:nvPicPr>
+          <p:cNvPr id="4" name="内容占位符 3" descr="屏幕快照 2017-07-20 上午10.25.18.png"/>
+          <p:cNvPicPr>
+            <a:picLocks noGrp="1" noChangeAspect="1"/>
+          </p:cNvPicPr>
           <p:nvPr>
             <p:ph idx="1"/>
           </p:nvPr>
-        </p:nvSpPr>
-        <p:spPr/>
-        <p:txBody>
-          <a:bodyPr/>
+        </p:nvPicPr>
+        <p:blipFill>
+          <a:blip r:embed="rId2">
+            <a:extLst>
+              <a:ext uri="{28A0092B-C50C-407E-A947-70E740481C1C}">
+                <a14:useLocalDpi xmlns:a14="http://schemas.microsoft.com/office/drawing/2010/main" val="0"/>
+              </a:ext>
+            </a:extLst>
+          </a:blip>
+          <a:srcRect l="-89396" r="-89396"/>
+          <a:stretch>
+            <a:fillRect/>
+          </a:stretch>
+        </p:blipFill>
+        <p:spPr>
+          <a:xfrm>
+            <a:off x="-1471231" y="1618517"/>
+            <a:ext cx="8507041" cy="4717926"/>
+          </a:xfrm>
+        </p:spPr>
+      </p:pic>
+      <p:sp>
+        <p:nvSpPr>
+          <p:cNvPr id="5" name="圆角矩形 4"/>
+          <p:cNvSpPr/>
+          <p:nvPr/>
+        </p:nvSpPr>
+        <p:spPr>
+          <a:xfrm>
+            <a:off x="1244037" y="1618517"/>
+            <a:ext cx="7438307" cy="675042"/>
+          </a:xfrm>
+          <a:prstGeom prst="roundRect">
+            <a:avLst/>
+          </a:prstGeom>
+          <a:blipFill dpi="0" rotWithShape="1">
+            <a:blip r:embed="rId3">
+              <a:alphaModFix amt="13000"/>
+              <a:duotone>
+                <a:schemeClr val="accent1">
+                  <a:shade val="30000"/>
+                  <a:satMod val="150000"/>
+                </a:schemeClr>
+                <a:schemeClr val="accent1">
+                  <a:alpha val="10000"/>
+                  <a:satMod val="120000"/>
+                </a:schemeClr>
+              </a:duotone>
+            </a:blip>
+            <a:srcRect/>
+            <a:stretch>
+              <a:fillRect/>
+            </a:stretch>
+          </a:blipFill>
+        </p:spPr>
+        <p:style>
+          <a:lnRef idx="1">
+            <a:schemeClr val="accent1"/>
+          </a:lnRef>
+          <a:fillRef idx="3">
+            <a:schemeClr val="accent1"/>
+          </a:fillRef>
+          <a:effectRef idx="2">
+            <a:schemeClr val="accent1"/>
+          </a:effectRef>
+          <a:fontRef idx="minor">
+            <a:schemeClr val="lt1"/>
+          </a:fontRef>
+        </p:style>
+        <p:txBody>
+          <a:bodyPr rtlCol="0" anchor="ctr"/>
           <a:lstStyle/>
           <a:p>
-            <a:r>
-              <a:rPr kumimoji="1" lang="en-US" altLang="zh-CN" dirty="0" smtClean="0"/>
-              <a:t>Welcome to panic</a:t>
-            </a:r>
-          </a:p>
-          <a:p>
-            <a:r>
-              <a:rPr kumimoji="1" lang="en-US" altLang="zh-CN" dirty="0" smtClean="0"/>
-              <a:t>Getting started</a:t>
-            </a:r>
-          </a:p>
-          <a:p>
-            <a:r>
-              <a:rPr kumimoji="1" lang="en-US" altLang="zh-CN" dirty="0" smtClean="0"/>
-              <a:t>Advanced Studies</a:t>
-            </a:r>
-          </a:p>
-          <a:p>
+            <a:pPr algn="r"/>
             <a:r>
               <a:rPr kumimoji="1" lang="en-US" altLang="zh-CN" dirty="0" smtClean="0">
                 <a:solidFill>
                   <a:srgbClr val="FF0000"/>
                 </a:solidFill>
               </a:rPr>
-              <a:t>Case </a:t>
-            </a:r>
+              <a:t>The p command could be used directly</a:t>
+            </a:r>
+            <a:endParaRPr kumimoji="1" lang="zh-CN" altLang="en-US" dirty="0">
+              <a:solidFill>
+                <a:srgbClr val="FF0000"/>
+              </a:solidFill>
+            </a:endParaRPr>
+          </a:p>
+        </p:txBody>
+      </p:sp>
+      <p:sp>
+        <p:nvSpPr>
+          <p:cNvPr id="6" name="圆角矩形 5"/>
+          <p:cNvSpPr/>
+          <p:nvPr/>
+        </p:nvSpPr>
+        <p:spPr>
+          <a:xfrm>
+            <a:off x="914401" y="3390662"/>
+            <a:ext cx="7767944" cy="2945781"/>
+          </a:xfrm>
+          <a:prstGeom prst="roundRect">
+            <a:avLst/>
+          </a:prstGeom>
+          <a:blipFill dpi="0" rotWithShape="1">
+            <a:blip r:embed="rId3">
+              <a:alphaModFix amt="13000"/>
+              <a:duotone>
+                <a:schemeClr val="accent1">
+                  <a:shade val="30000"/>
+                  <a:satMod val="150000"/>
+                </a:schemeClr>
+                <a:schemeClr val="accent1">
+                  <a:alpha val="10000"/>
+                  <a:satMod val="120000"/>
+                </a:schemeClr>
+              </a:duotone>
+            </a:blip>
+            <a:srcRect/>
+            <a:stretch>
+              <a:fillRect/>
+            </a:stretch>
+          </a:blipFill>
+        </p:spPr>
+        <p:style>
+          <a:lnRef idx="1">
+            <a:schemeClr val="accent1"/>
+          </a:lnRef>
+          <a:fillRef idx="3">
+            <a:schemeClr val="accent1"/>
+          </a:fillRef>
+          <a:effectRef idx="2">
+            <a:schemeClr val="accent1"/>
+          </a:effectRef>
+          <a:fontRef idx="minor">
+            <a:schemeClr val="lt1"/>
+          </a:fontRef>
+        </p:style>
+        <p:txBody>
+          <a:bodyPr rtlCol="0" anchor="ctr"/>
+          <a:lstStyle/>
+          <a:p>
+            <a:pPr algn="r"/>
             <a:r>
               <a:rPr kumimoji="1" lang="en-US" altLang="zh-CN" dirty="0" smtClean="0">
                 <a:solidFill>
                   <a:srgbClr val="FF0000"/>
                 </a:solidFill>
               </a:rPr>
-              <a:t>Studies</a:t>
-            </a:r>
-            <a:endParaRPr kumimoji="1" lang="en-US" altLang="zh-CN" dirty="0" smtClean="0">
+              <a:t>The </a:t>
+            </a:r>
+            <a:r>
+              <a:rPr kumimoji="1" lang="en-US" altLang="zh-CN" dirty="0" err="1" smtClean="0">
+                <a:solidFill>
+                  <a:srgbClr val="FF0000"/>
+                </a:solidFill>
+              </a:rPr>
+              <a:t>px</a:t>
+            </a:r>
+            <a:r>
+              <a:rPr kumimoji="1" lang="en-US" altLang="zh-CN" dirty="0" smtClean="0">
+                <a:solidFill>
+                  <a:srgbClr val="FF0000"/>
+                </a:solidFill>
+              </a:rPr>
+              <a:t> means hex dump</a:t>
+            </a:r>
+          </a:p>
+          <a:p>
+            <a:pPr algn="r"/>
+            <a:r>
+              <a:rPr kumimoji="1" lang="en-US" altLang="zh-CN" dirty="0" smtClean="0">
+                <a:solidFill>
+                  <a:srgbClr val="FF0000"/>
+                </a:solidFill>
+              </a:rPr>
+              <a:t>The :1 indicate the data instance on CPU 1.</a:t>
+            </a:r>
+            <a:endParaRPr kumimoji="1" lang="zh-CN" altLang="en-US" dirty="0">
               <a:solidFill>
                 <a:srgbClr val="FF0000"/>
               </a:solidFill>
             </a:endParaRPr>
           </a:p>
-          <a:p>
-            <a:r>
-              <a:rPr kumimoji="1" lang="en-US" altLang="zh-CN" dirty="0" smtClean="0"/>
-              <a:t>References</a:t>
-            </a:r>
-            <a:endParaRPr kumimoji="1" lang="zh-CN" altLang="en-US" dirty="0"/>
-          </a:p>
         </p:txBody>
       </p:sp>
     </p:spTree>
     <p:extLst>
       <p:ext uri="{BB962C8B-B14F-4D97-AF65-F5344CB8AC3E}">
-        <p14:creationId xmlns:p14="http://schemas.microsoft.com/office/powerpoint/2010/main" val="3852232716"/>
+        <p14:creationId xmlns:p14="http://schemas.microsoft.com/office/powerpoint/2010/main" val="3212057884"/>
       </p:ext>
     </p:extLst>
   </p:cSld>
@@ -15282,7 +15554,15 @@
             <a:pPr algn="l"/>
             <a:r>
               <a:rPr kumimoji="1" lang="en-US" altLang="zh-CN" dirty="0" smtClean="0"/>
-              <a:t>Sysrq Crash</a:t>
+              <a:t>Global Tasks </a:t>
+            </a:r>
+            <a:r>
+              <a:rPr kumimoji="1" lang="en-US" altLang="zh-CN" dirty="0"/>
+              <a:t>S</a:t>
+            </a:r>
+            <a:r>
+              <a:rPr kumimoji="1" lang="en-US" altLang="zh-CN" dirty="0" smtClean="0"/>
+              <a:t>tatus</a:t>
             </a:r>
             <a:endParaRPr kumimoji="1" lang="zh-CN" altLang="en-US" dirty="0"/>
           </a:p>
@@ -15300,99 +15580,179 @@
         </p:nvSpPr>
         <p:spPr/>
         <p:txBody>
-          <a:bodyPr/>
+          <a:bodyPr>
+            <a:normAutofit fontScale="92500" lnSpcReduction="10000"/>
+          </a:bodyPr>
           <a:lstStyle/>
           <a:p>
             <a:r>
               <a:rPr kumimoji="1" lang="en-US" altLang="zh-CN" dirty="0" smtClean="0"/>
-              <a:t>Make sure crash dump (</a:t>
+              <a:t>Check per-CPU </a:t>
             </a:r>
             <a:r>
               <a:rPr kumimoji="1" lang="en-US" altLang="zh-CN" dirty="0" err="1" smtClean="0"/>
-              <a:t>kdump</a:t>
+              <a:t>runq</a:t>
             </a:r>
             <a:r>
               <a:rPr kumimoji="1" lang="en-US" altLang="zh-CN" dirty="0" smtClean="0"/>
-              <a:t>) works</a:t>
-            </a:r>
-          </a:p>
-          <a:p>
+              <a:t> and on CPU tasks</a:t>
+            </a:r>
+          </a:p>
+          <a:p>
+            <a:pPr lvl="1"/>
+            <a:r>
+              <a:rPr kumimoji="1" lang="en-US" altLang="zh-CN" dirty="0" err="1" smtClean="0"/>
+              <a:t>Runq</a:t>
+            </a:r>
+            <a:endParaRPr kumimoji="1" lang="en-US" altLang="zh-CN" dirty="0" smtClean="0"/>
+          </a:p>
+          <a:p>
+            <a:pPr lvl="1"/>
+            <a:r>
+              <a:rPr kumimoji="1" lang="en-US" altLang="zh-CN" dirty="0" err="1"/>
+              <a:t>b</a:t>
+            </a:r>
+            <a:r>
+              <a:rPr kumimoji="1" lang="en-US" altLang="zh-CN" dirty="0" err="1" smtClean="0"/>
+              <a:t>t</a:t>
+            </a:r>
             <a:r>
               <a:rPr kumimoji="1" lang="en-US" altLang="zh-CN" dirty="0" smtClean="0"/>
-              <a:t>Trigger a kernel panic by </a:t>
-            </a:r>
+              <a:t> -a</a:t>
+            </a:r>
+          </a:p>
+          <a:p>
+            <a:r>
+              <a:rPr kumimoji="1" lang="en-US" altLang="zh-CN" dirty="0" smtClean="0"/>
+              <a:t>All running</a:t>
+            </a:r>
+            <a:r>
+              <a:rPr kumimoji="1" lang="en-US" altLang="zh-CN" dirty="0" smtClean="0"/>
+              <a:t>/</a:t>
+            </a:r>
+            <a:r>
+              <a:rPr kumimoji="1" lang="en-US" altLang="zh-CN" dirty="0" smtClean="0"/>
+              <a:t>uninterruptable/</a:t>
+            </a:r>
+            <a:r>
+              <a:rPr kumimoji="1" lang="en-US" altLang="zh-CN" dirty="0" err="1"/>
+              <a:t>interruptable</a:t>
+            </a:r>
+            <a:r>
+              <a:rPr kumimoji="1" lang="en-US" altLang="zh-CN" dirty="0" smtClean="0"/>
+              <a:t> tasks</a:t>
+            </a:r>
+          </a:p>
+          <a:p>
+            <a:pPr lvl="1"/>
+            <a:r>
+              <a:rPr lang="en-US" altLang="zh-CN" dirty="0" err="1"/>
+              <a:t>foreach</a:t>
+            </a:r>
+            <a:r>
+              <a:rPr lang="en-US" altLang="zh-CN" dirty="0"/>
+              <a:t> RU </a:t>
+            </a:r>
+            <a:r>
+              <a:rPr lang="en-US" altLang="zh-CN" dirty="0" err="1" smtClean="0"/>
+              <a:t>bt</a:t>
+            </a:r>
+            <a:endParaRPr lang="en-US" altLang="zh-CN" dirty="0" smtClean="0"/>
+          </a:p>
+          <a:p>
+            <a:pPr lvl="1"/>
+            <a:r>
+              <a:rPr lang="en-US" altLang="zh-CN" dirty="0" err="1" smtClean="0"/>
+              <a:t>foreach</a:t>
+            </a:r>
+            <a:r>
+              <a:rPr lang="en-US" altLang="zh-CN" dirty="0" smtClean="0"/>
+              <a:t> </a:t>
+            </a:r>
+            <a:r>
+              <a:rPr lang="en-US" altLang="zh-CN" dirty="0"/>
+              <a:t>UN </a:t>
+            </a:r>
+            <a:r>
+              <a:rPr lang="en-US" altLang="zh-CN" dirty="0" err="1" smtClean="0"/>
+              <a:t>bt</a:t>
+            </a:r>
+            <a:endParaRPr lang="en-US" altLang="zh-CN" dirty="0" smtClean="0"/>
+          </a:p>
+          <a:p>
+            <a:pPr lvl="1"/>
+            <a:r>
+              <a:rPr lang="en-US" altLang="zh-CN" dirty="0" err="1" smtClean="0"/>
+              <a:t>foreach</a:t>
+            </a:r>
+            <a:r>
+              <a:rPr lang="en-US" altLang="zh-CN" dirty="0" smtClean="0"/>
+              <a:t> </a:t>
+            </a:r>
+            <a:r>
+              <a:rPr lang="en-US" altLang="zh-CN" dirty="0"/>
+              <a:t>IN </a:t>
+            </a:r>
+            <a:r>
+              <a:rPr lang="en-US" altLang="zh-CN" dirty="0" err="1" smtClean="0"/>
+              <a:t>bt</a:t>
+            </a:r>
+            <a:endParaRPr lang="en-US" altLang="zh-CN" dirty="0" smtClean="0"/>
+          </a:p>
+          <a:p>
+            <a:r>
+              <a:rPr kumimoji="1" lang="en-US" altLang="zh-CN" dirty="0" smtClean="0"/>
+              <a:t>List kernel/user tasks</a:t>
+            </a:r>
+          </a:p>
+          <a:p>
+            <a:pPr lvl="1"/>
             <a:r>
               <a:rPr kumimoji="1" lang="en-US" altLang="zh-CN" dirty="0" err="1" smtClean="0"/>
-              <a:t>sysrq</a:t>
-            </a:r>
-            <a:endParaRPr kumimoji="1" lang="en-US" altLang="zh-CN" dirty="0" smtClean="0"/>
+              <a:t>ps</a:t>
+            </a:r>
+            <a:r>
+              <a:rPr kumimoji="1" lang="en-US" altLang="zh-CN" dirty="0" smtClean="0"/>
+              <a:t> </a:t>
+            </a:r>
+            <a:r>
+              <a:rPr kumimoji="1" lang="mr-IN" altLang="zh-CN" dirty="0" smtClean="0"/>
+              <a:t>–</a:t>
+            </a:r>
+            <a:r>
+              <a:rPr kumimoji="1" lang="en-US" altLang="zh-CN" dirty="0" smtClean="0"/>
+              <a:t>k</a:t>
+            </a:r>
           </a:p>
           <a:p>
             <a:pPr lvl="1"/>
             <a:r>
-              <a:rPr lang="en-US" altLang="zh-CN" dirty="0"/>
-              <a:t>echo c </a:t>
-            </a:r>
-            <a:r>
-              <a:rPr lang="en-US" altLang="zh-CN" dirty="0" smtClean="0"/>
-              <a:t>&gt; /</a:t>
-            </a:r>
-            <a:r>
-              <a:rPr lang="en-US" altLang="zh-CN" dirty="0" err="1"/>
-              <a:t>proc</a:t>
-            </a:r>
-            <a:r>
-              <a:rPr lang="en-US" altLang="zh-CN" dirty="0"/>
-              <a:t>/</a:t>
-            </a:r>
-            <a:r>
-              <a:rPr lang="en-US" altLang="zh-CN" dirty="0" err="1"/>
-              <a:t>sysrq</a:t>
-            </a:r>
-            <a:r>
-              <a:rPr lang="en-US" altLang="zh-CN" dirty="0"/>
-              <a:t>-</a:t>
-            </a:r>
-            <a:r>
-              <a:rPr lang="en-US" altLang="zh-CN" dirty="0" smtClean="0"/>
-              <a:t>trigger</a:t>
-            </a:r>
-          </a:p>
-          <a:p>
+              <a:rPr kumimoji="1" lang="en-US" altLang="zh-CN" dirty="0" err="1"/>
+              <a:t>p</a:t>
+            </a:r>
+            <a:r>
+              <a:rPr kumimoji="1" lang="en-US" altLang="zh-CN" dirty="0" err="1" smtClean="0"/>
+              <a:t>s</a:t>
+            </a:r>
             <a:r>
               <a:rPr kumimoji="1" lang="en-US" altLang="zh-CN" dirty="0" smtClean="0"/>
-              <a:t>Waiting for reboot and saving the core file</a:t>
-            </a:r>
-          </a:p>
-          <a:p>
+              <a:t> </a:t>
+            </a:r>
+            <a:r>
+              <a:rPr kumimoji="1" lang="mr-IN" altLang="zh-CN" dirty="0" smtClean="0"/>
+              <a:t>–</a:t>
+            </a:r>
             <a:r>
               <a:rPr kumimoji="1" lang="en-US" altLang="zh-CN" dirty="0" smtClean="0"/>
-              <a:t>Using crash to check the core file</a:t>
-            </a:r>
-          </a:p>
-          <a:p>
-            <a:r>
-              <a:rPr kumimoji="1" lang="en-US" altLang="zh-CN" dirty="0" smtClean="0"/>
-              <a:t>Explain how </a:t>
-            </a:r>
-            <a:r>
-              <a:rPr kumimoji="1" lang="en-US" altLang="zh-CN" dirty="0" err="1" smtClean="0"/>
-              <a:t>sysrq</a:t>
-            </a:r>
-            <a:r>
-              <a:rPr kumimoji="1" lang="en-US" altLang="zh-CN" dirty="0" smtClean="0"/>
-              <a:t> crashes the kernel</a:t>
-            </a:r>
-          </a:p>
-          <a:p>
-            <a:endParaRPr kumimoji="1" lang="zh-CN" altLang="en-US" dirty="0"/>
+              <a:t>u</a:t>
+            </a:r>
           </a:p>
         </p:txBody>
       </p:sp>
     </p:spTree>
     <p:extLst>
       <p:ext uri="{BB962C8B-B14F-4D97-AF65-F5344CB8AC3E}">
-        <p14:creationId xmlns:p14="http://schemas.microsoft.com/office/powerpoint/2010/main" val="207889953"/>
+        <p14:creationId xmlns:p14="http://schemas.microsoft.com/office/powerpoint/2010/main" val="3713848284"/>
       </p:ext>
     </p:extLst>
   </p:cSld>
@@ -15437,90 +15797,172 @@
             <a:pPr algn="l"/>
             <a:r>
               <a:rPr kumimoji="1" lang="en-US" altLang="zh-CN" dirty="0" smtClean="0"/>
-              <a:t>Read Files From </a:t>
-            </a:r>
+              <a:t>Files and IO</a:t>
+            </a:r>
+            <a:endParaRPr kumimoji="1" lang="zh-CN" altLang="en-US" dirty="0"/>
+          </a:p>
+        </p:txBody>
+      </p:sp>
+      <p:sp>
+        <p:nvSpPr>
+          <p:cNvPr id="3" name="内容占位符 2"/>
+          <p:cNvSpPr>
+            <a:spLocks noGrp="1"/>
+          </p:cNvSpPr>
+          <p:nvPr>
+            <p:ph idx="1"/>
+          </p:nvPr>
+        </p:nvSpPr>
+        <p:spPr/>
+        <p:txBody>
+          <a:bodyPr>
+            <a:normAutofit fontScale="92500" lnSpcReduction="20000"/>
+          </a:bodyPr>
+          <a:lstStyle/>
+          <a:p>
+            <a:r>
+              <a:rPr kumimoji="1" lang="en-US" altLang="zh-CN" dirty="0" smtClean="0"/>
+              <a:t>Filesystem information</a:t>
+            </a:r>
+          </a:p>
+          <a:p>
+            <a:pPr lvl="1"/>
             <a:r>
               <a:rPr kumimoji="1" lang="en-US" altLang="zh-CN" dirty="0"/>
-              <a:t>P</a:t>
+              <a:t>m</a:t>
             </a:r>
             <a:r>
               <a:rPr kumimoji="1" lang="en-US" altLang="zh-CN" dirty="0" smtClean="0"/>
-              <a:t>age Cache</a:t>
-            </a:r>
-            <a:endParaRPr kumimoji="1" lang="zh-CN" altLang="en-US" dirty="0"/>
-          </a:p>
-        </p:txBody>
-      </p:sp>
-      <p:sp>
-        <p:nvSpPr>
-          <p:cNvPr id="3" name="内容占位符 2"/>
-          <p:cNvSpPr>
-            <a:spLocks noGrp="1"/>
-          </p:cNvSpPr>
-          <p:nvPr>
-            <p:ph idx="1"/>
-          </p:nvPr>
-        </p:nvSpPr>
-        <p:spPr/>
-        <p:txBody>
-          <a:bodyPr/>
-          <a:lstStyle/>
+              <a:t>ount</a:t>
+            </a:r>
+          </a:p>
           <a:p>
             <a:r>
               <a:rPr kumimoji="1" lang="en-US" altLang="zh-CN" dirty="0" smtClean="0"/>
-              <a:t>Using vi to open a text file in system</a:t>
-            </a:r>
-          </a:p>
-          <a:p>
-            <a:r>
-              <a:rPr kumimoji="1" lang="en-US" altLang="zh-CN" dirty="0" smtClean="0"/>
-              <a:t>Invoking crash against living system</a:t>
-            </a:r>
-          </a:p>
-          <a:p>
-            <a:r>
-              <a:rPr kumimoji="1" lang="en-US" altLang="zh-CN" dirty="0" smtClean="0"/>
-              <a:t>Walking the file pages from page cache</a:t>
-            </a:r>
-          </a:p>
-          <a:p>
-            <a:r>
-              <a:rPr kumimoji="1" lang="en-US" altLang="zh-CN" dirty="0" smtClean="0"/>
-              <a:t>Dump the file contents from memory</a:t>
-            </a:r>
-          </a:p>
-          <a:p>
-            <a:pPr marL="0" indent="0">
-              <a:buNone/>
-            </a:pPr>
-            <a:endParaRPr kumimoji="1" lang="zh-CN" altLang="en-US" dirty="0" smtClean="0"/>
-          </a:p>
-          <a:p>
-            <a:pPr marL="0" indent="0">
-              <a:buNone/>
-            </a:pPr>
-            <a:r>
-              <a:rPr kumimoji="1" lang="en-US" altLang="zh-CN" dirty="0" smtClean="0"/>
-              <a:t>See my </a:t>
-            </a:r>
-            <a:r>
-              <a:rPr kumimoji="1" lang="en-US" altLang="zh-CN" dirty="0" smtClean="0">
-                <a:hlinkClick r:id="rId2"/>
-              </a:rPr>
-              <a:t>page cache debug blog</a:t>
-            </a:r>
-            <a:r>
-              <a:rPr kumimoji="1" lang="en-US" altLang="zh-CN" dirty="0" smtClean="0"/>
-              <a:t>.</a:t>
-            </a:r>
-            <a:endParaRPr kumimoji="1" lang="en-US" altLang="zh-CN" dirty="0"/>
+              <a:t>Who open the files</a:t>
+            </a:r>
+          </a:p>
+          <a:p>
+            <a:pPr lvl="1"/>
+            <a:r>
+              <a:rPr lang="en-US" altLang="zh-CN" dirty="0" err="1"/>
+              <a:t>foreach</a:t>
+            </a:r>
+            <a:r>
+              <a:rPr lang="en-US" altLang="zh-CN" dirty="0"/>
+              <a:t> files -R </a:t>
+            </a:r>
+            <a:r>
+              <a:rPr lang="en-US" altLang="zh-CN" dirty="0" err="1" smtClean="0"/>
+              <a:t>system.journal</a:t>
+            </a:r>
+            <a:endParaRPr lang="en-US" altLang="zh-CN" dirty="0" smtClean="0"/>
+          </a:p>
+          <a:p>
+            <a:pPr lvl="1"/>
+            <a:r>
+              <a:rPr lang="en-US" altLang="zh-CN" dirty="0"/>
+              <a:t>fuser /</a:t>
+            </a:r>
+            <a:r>
+              <a:rPr lang="en-US" altLang="zh-CN" dirty="0" err="1"/>
+              <a:t>usr</a:t>
+            </a:r>
+            <a:r>
+              <a:rPr lang="en-US" altLang="zh-CN" dirty="0"/>
+              <a:t>/lib/libkfm.so.2.0.0</a:t>
+            </a:r>
+            <a:endParaRPr lang="en-US" altLang="zh-CN" dirty="0" smtClean="0"/>
+          </a:p>
+          <a:p>
+            <a:r>
+              <a:rPr lang="en-US" altLang="zh-CN" dirty="0" smtClean="0"/>
+              <a:t>Process files and page cache</a:t>
+            </a:r>
+          </a:p>
+          <a:p>
+            <a:pPr lvl="1"/>
+            <a:r>
+              <a:rPr lang="en-US" altLang="zh-CN" dirty="0"/>
+              <a:t>f</a:t>
+            </a:r>
+            <a:r>
+              <a:rPr lang="es-ES_tradnl" altLang="zh-CN" dirty="0" err="1" smtClean="0"/>
+              <a:t>iles</a:t>
+            </a:r>
+            <a:r>
+              <a:rPr lang="es-ES_tradnl" altLang="zh-CN" dirty="0" smtClean="0"/>
+              <a:t> 1954</a:t>
+            </a:r>
+          </a:p>
+          <a:p>
+            <a:pPr lvl="1"/>
+            <a:r>
+              <a:rPr lang="es-ES_tradnl" altLang="zh-CN" dirty="0" smtClean="0"/>
+              <a:t>files </a:t>
+            </a:r>
+            <a:r>
+              <a:rPr lang="es-ES_tradnl" altLang="zh-CN" dirty="0"/>
+              <a:t>-c </a:t>
+            </a:r>
+            <a:r>
+              <a:rPr lang="es-ES_tradnl" altLang="zh-CN" dirty="0" smtClean="0"/>
+              <a:t>1954</a:t>
+            </a:r>
+          </a:p>
+          <a:p>
+            <a:r>
+              <a:rPr lang="es-ES_tradnl" altLang="zh-CN" dirty="0" smtClean="0"/>
+              <a:t>Block </a:t>
+            </a:r>
+            <a:r>
+              <a:rPr lang="es-ES_tradnl" altLang="zh-CN" dirty="0" err="1" smtClean="0"/>
+              <a:t>devices</a:t>
+            </a:r>
+            <a:r>
+              <a:rPr lang="es-ES_tradnl" altLang="zh-CN" dirty="0" smtClean="0"/>
+              <a:t> and </a:t>
+            </a:r>
+            <a:r>
+              <a:rPr lang="es-ES_tradnl" altLang="zh-CN" dirty="0" err="1" smtClean="0"/>
+              <a:t>its</a:t>
+            </a:r>
+            <a:r>
+              <a:rPr lang="es-ES_tradnl" altLang="zh-CN" dirty="0" smtClean="0"/>
+              <a:t> </a:t>
+            </a:r>
+            <a:r>
+              <a:rPr lang="es-ES_tradnl" altLang="zh-CN" dirty="0" err="1" smtClean="0"/>
+              <a:t>request</a:t>
+            </a:r>
+            <a:r>
+              <a:rPr lang="es-ES_tradnl" altLang="zh-CN" dirty="0" smtClean="0"/>
+              <a:t> </a:t>
+            </a:r>
+            <a:r>
+              <a:rPr lang="es-ES_tradnl" altLang="zh-CN" dirty="0" err="1" smtClean="0"/>
+              <a:t>queues</a:t>
+            </a:r>
+            <a:endParaRPr lang="es-ES_tradnl" altLang="zh-CN" dirty="0" smtClean="0"/>
+          </a:p>
+          <a:p>
+            <a:pPr lvl="1"/>
+            <a:r>
+              <a:rPr lang="en-US" altLang="zh-CN" dirty="0" err="1"/>
+              <a:t>dev</a:t>
+            </a:r>
+            <a:r>
+              <a:rPr lang="en-US" altLang="zh-CN" dirty="0"/>
+              <a:t> -d</a:t>
+            </a:r>
+            <a:endParaRPr lang="es-ES_tradnl" altLang="zh-CN" dirty="0" smtClean="0"/>
           </a:p>
         </p:txBody>
       </p:sp>
     </p:spTree>
     <p:extLst>
       <p:ext uri="{BB962C8B-B14F-4D97-AF65-F5344CB8AC3E}">
-        <p14:creationId xmlns:p14="http://schemas.microsoft.com/office/powerpoint/2010/main" val="4222608396"/>
+        <p14:creationId xmlns:p14="http://schemas.microsoft.com/office/powerpoint/2010/main" val="1411026969"/>
       </p:ext>
     </p:extLst>
   </p:cSld>
@@ -15562,9 +16004,10 @@
           <a:bodyPr/>
           <a:lstStyle/>
           <a:p>
+            <a:pPr algn="l"/>
             <a:r>
               <a:rPr kumimoji="1" lang="en-US" altLang="zh-CN" dirty="0" smtClean="0"/>
-              <a:t>Agenda</a:t>
+              <a:t>Networking</a:t>
             </a:r>
             <a:endParaRPr kumimoji="1" lang="zh-CN" altLang="en-US" dirty="0"/>
           </a:p>
@@ -15587,53 +16030,85 @@
           <a:p>
             <a:r>
               <a:rPr kumimoji="1" lang="en-US" altLang="zh-CN" dirty="0" smtClean="0"/>
-              <a:t>Welcome to panic</a:t>
-            </a:r>
-          </a:p>
-          <a:p>
+              <a:t>All NIC interfaces and its net devices</a:t>
+            </a:r>
+          </a:p>
+          <a:p>
+            <a:pPr lvl="1"/>
+            <a:r>
+              <a:rPr kumimoji="1" lang="en-US" altLang="zh-CN" dirty="0"/>
+              <a:t>n</a:t>
+            </a:r>
             <a:r>
               <a:rPr kumimoji="1" lang="en-US" altLang="zh-CN" dirty="0" smtClean="0"/>
-              <a:t>Getting started</a:t>
-            </a:r>
+              <a:t>et</a:t>
+            </a:r>
+          </a:p>
+          <a:p>
+            <a:pPr lvl="1"/>
+            <a:r>
+              <a:rPr lang="is-IS" altLang="zh-CN" dirty="0"/>
+              <a:t>net -n 2618</a:t>
+            </a:r>
+            <a:endParaRPr kumimoji="1" lang="en-US" altLang="zh-CN" dirty="0" smtClean="0"/>
           </a:p>
           <a:p>
             <a:r>
               <a:rPr kumimoji="1" lang="en-US" altLang="zh-CN" dirty="0" smtClean="0"/>
-              <a:t>Advanced Studies</a:t>
-            </a:r>
-          </a:p>
-          <a:p>
+              <a:t>Dump </a:t>
+            </a:r>
+            <a:r>
+              <a:rPr kumimoji="1" lang="en-US" altLang="zh-CN" dirty="0" err="1" smtClean="0"/>
+              <a:t>arp</a:t>
+            </a:r>
             <a:r>
               <a:rPr kumimoji="1" lang="en-US" altLang="zh-CN" dirty="0" smtClean="0"/>
-              <a:t>Case </a:t>
-            </a:r>
+              <a:t> cache</a:t>
+            </a:r>
+          </a:p>
+          <a:p>
+            <a:pPr lvl="1"/>
+            <a:r>
+              <a:rPr lang="en-US" altLang="zh-CN" dirty="0"/>
+              <a:t>net -a</a:t>
+            </a:r>
+            <a:endParaRPr kumimoji="1" lang="en-US" altLang="zh-CN" dirty="0" smtClean="0"/>
+          </a:p>
+          <a:p>
             <a:r>
               <a:rPr kumimoji="1" lang="en-US" altLang="zh-CN" dirty="0" smtClean="0"/>
-              <a:t>Studies</a:t>
-            </a:r>
-            <a:endParaRPr kumimoji="1" lang="en-US" altLang="zh-CN" dirty="0" smtClean="0"/>
-          </a:p>
-          <a:p>
-            <a:r>
-              <a:rPr kumimoji="1" lang="en-US" altLang="zh-CN" dirty="0" smtClean="0">
-                <a:solidFill>
-                  <a:srgbClr val="FF0000"/>
-                </a:solidFill>
-              </a:rPr>
-              <a:t>References</a:t>
-            </a:r>
-            <a:endParaRPr kumimoji="1" lang="zh-CN" altLang="en-US" dirty="0">
-              <a:solidFill>
-                <a:srgbClr val="FF0000"/>
-              </a:solidFill>
-            </a:endParaRPr>
+              <a:t>All sockets</a:t>
+            </a:r>
+          </a:p>
+          <a:p>
+            <a:pPr lvl="1"/>
+            <a:r>
+              <a:rPr lang="en-US" altLang="zh-CN" dirty="0" err="1"/>
+              <a:t>foreach</a:t>
+            </a:r>
+            <a:r>
+              <a:rPr lang="en-US" altLang="zh-CN" dirty="0"/>
+              <a:t> net </a:t>
+            </a:r>
+            <a:r>
+              <a:rPr lang="mr-IN" altLang="zh-CN" dirty="0" smtClean="0"/>
+              <a:t>–</a:t>
+            </a:r>
+            <a:r>
+              <a:rPr lang="en-US" altLang="zh-CN" dirty="0" smtClean="0"/>
+              <a:t>s</a:t>
+            </a:r>
+          </a:p>
+          <a:p>
+            <a:pPr lvl="1"/>
+            <a:endParaRPr kumimoji="1" lang="zh-CN" altLang="en-US" dirty="0"/>
           </a:p>
         </p:txBody>
       </p:sp>
     </p:spTree>
     <p:extLst>
       <p:ext uri="{BB962C8B-B14F-4D97-AF65-F5344CB8AC3E}">
-        <p14:creationId xmlns:p14="http://schemas.microsoft.com/office/powerpoint/2010/main" val="2059535507"/>
+        <p14:creationId xmlns:p14="http://schemas.microsoft.com/office/powerpoint/2010/main" val="3314601450"/>
       </p:ext>
     </p:extLst>
   </p:cSld>
@@ -15678,6 +16153,732 @@
             <a:pPr algn="l"/>
             <a:r>
               <a:rPr kumimoji="1" lang="en-US" altLang="zh-CN" dirty="0" smtClean="0"/>
+              <a:t>Walkers</a:t>
+            </a:r>
+            <a:endParaRPr kumimoji="1" lang="zh-CN" altLang="en-US" dirty="0"/>
+          </a:p>
+        </p:txBody>
+      </p:sp>
+      <p:sp>
+        <p:nvSpPr>
+          <p:cNvPr id="3" name="内容占位符 2"/>
+          <p:cNvSpPr>
+            <a:spLocks noGrp="1"/>
+          </p:cNvSpPr>
+          <p:nvPr>
+            <p:ph idx="1"/>
+          </p:nvPr>
+        </p:nvSpPr>
+        <p:spPr>
+          <a:xfrm>
+            <a:off x="914400" y="1735138"/>
+            <a:ext cx="7612441" cy="4056062"/>
+          </a:xfrm>
+        </p:spPr>
+        <p:txBody>
+          <a:bodyPr>
+            <a:normAutofit lnSpcReduction="10000"/>
+          </a:bodyPr>
+          <a:lstStyle/>
+          <a:p>
+            <a:r>
+              <a:rPr kumimoji="1" lang="en-US" altLang="zh-CN" dirty="0"/>
+              <a:t>Walk a link list</a:t>
+            </a:r>
+          </a:p>
+          <a:p>
+            <a:pPr marL="457200" lvl="1" indent="0">
+              <a:buNone/>
+            </a:pPr>
+            <a:r>
+              <a:rPr kumimoji="1" lang="en-US" altLang="zh-CN" dirty="0"/>
+              <a:t>Using list command, here is an example,</a:t>
+            </a:r>
+          </a:p>
+          <a:p>
+            <a:pPr marL="457200" lvl="1" indent="0">
+              <a:buNone/>
+            </a:pPr>
+            <a:r>
+              <a:rPr lang="en-US" altLang="zh-CN" dirty="0"/>
+              <a:t>crash&gt; </a:t>
+            </a:r>
+            <a:r>
+              <a:rPr lang="en-US" altLang="zh-CN" dirty="0" err="1"/>
+              <a:t>dentry.d_name</a:t>
+            </a:r>
+            <a:r>
+              <a:rPr lang="en-US" altLang="zh-CN" dirty="0"/>
+              <a:t> 0xffff882f5a1a8180</a:t>
+            </a:r>
+          </a:p>
+          <a:p>
+            <a:pPr marL="457200" lvl="1" indent="0">
+              <a:buNone/>
+            </a:pPr>
+            <a:r>
+              <a:rPr lang="en-US" altLang="zh-CN" dirty="0"/>
+              <a:t>crash&gt; </a:t>
+            </a:r>
+            <a:r>
+              <a:rPr lang="en-US" altLang="zh-CN" dirty="0" err="1"/>
+              <a:t>dentry</a:t>
+            </a:r>
+            <a:r>
+              <a:rPr lang="en-US" altLang="zh-CN" dirty="0"/>
+              <a:t> -o 0xffff882f5a1a8180 | </a:t>
+            </a:r>
+            <a:r>
+              <a:rPr lang="en-US" altLang="zh-CN" dirty="0" err="1"/>
+              <a:t>grep</a:t>
+            </a:r>
+            <a:r>
+              <a:rPr lang="en-US" altLang="zh-CN" dirty="0"/>
+              <a:t> </a:t>
+            </a:r>
+            <a:r>
+              <a:rPr lang="en-US" altLang="zh-CN" dirty="0" err="1"/>
+              <a:t>d_sub</a:t>
+            </a:r>
+            <a:endParaRPr lang="en-US" altLang="zh-CN" dirty="0"/>
+          </a:p>
+          <a:p>
+            <a:pPr marL="457200" lvl="1" indent="0">
+              <a:buNone/>
+            </a:pPr>
+            <a:r>
+              <a:rPr lang="en-US" altLang="zh-CN" dirty="0"/>
+              <a:t>[ffff882f5a1a8220] </a:t>
+            </a:r>
+            <a:r>
+              <a:rPr lang="en-US" altLang="zh-CN" dirty="0" err="1"/>
+              <a:t>struct</a:t>
+            </a:r>
+            <a:r>
+              <a:rPr lang="en-US" altLang="zh-CN" dirty="0"/>
+              <a:t> </a:t>
+            </a:r>
+            <a:r>
+              <a:rPr lang="en-US" altLang="zh-CN" dirty="0" err="1"/>
+              <a:t>list_head</a:t>
+            </a:r>
+            <a:r>
+              <a:rPr lang="en-US" altLang="zh-CN" dirty="0"/>
+              <a:t> </a:t>
+            </a:r>
+            <a:r>
+              <a:rPr lang="en-US" altLang="zh-CN" dirty="0" err="1"/>
+              <a:t>d_subdirs</a:t>
+            </a:r>
+            <a:r>
+              <a:rPr lang="en-US" altLang="zh-CN" dirty="0"/>
+              <a:t>;</a:t>
+            </a:r>
+          </a:p>
+          <a:p>
+            <a:pPr marL="457200" lvl="1" indent="0">
+              <a:buNone/>
+            </a:pPr>
+            <a:r>
+              <a:rPr lang="en-US" altLang="zh-CN" dirty="0"/>
+              <a:t>crash &gt; list -H ffff882f5a1a8220 -o 144 -s </a:t>
+            </a:r>
+            <a:r>
+              <a:rPr lang="en-US" altLang="zh-CN" dirty="0" err="1"/>
+              <a:t>dentry.d_name</a:t>
+            </a:r>
+            <a:endParaRPr lang="en-US" altLang="zh-CN" dirty="0"/>
+          </a:p>
+          <a:p>
+            <a:r>
+              <a:rPr kumimoji="1" lang="en-US" altLang="zh-CN" dirty="0" smtClean="0"/>
+              <a:t>Walk a tree</a:t>
+            </a:r>
+            <a:endParaRPr lang="en-US" altLang="zh-CN" dirty="0" smtClean="0"/>
+          </a:p>
+          <a:p>
+            <a:pPr lvl="1"/>
+            <a:r>
+              <a:rPr lang="en-US" altLang="zh-CN" dirty="0" smtClean="0"/>
+              <a:t>tree </a:t>
+            </a:r>
+            <a:r>
+              <a:rPr lang="en-US" altLang="zh-CN" dirty="0"/>
+              <a:t>-t radix -r </a:t>
+            </a:r>
+            <a:r>
+              <a:rPr lang="en-US" altLang="zh-CN" dirty="0" err="1"/>
+              <a:t>address_space.page_tree</a:t>
+            </a:r>
+            <a:r>
+              <a:rPr lang="en-US" altLang="zh-CN" dirty="0"/>
+              <a:t> </a:t>
+            </a:r>
+            <a:r>
+              <a:rPr lang="en-US" altLang="zh-CN" dirty="0" smtClean="0"/>
+              <a:t>ffff880bd08412a8</a:t>
+            </a:r>
+          </a:p>
+          <a:p>
+            <a:r>
+              <a:rPr kumimoji="1" lang="en-US" altLang="zh-CN" dirty="0" smtClean="0"/>
+              <a:t>Create customized walkers</a:t>
+            </a:r>
+            <a:r>
+              <a:rPr kumimoji="1" lang="en-US" altLang="zh-CN" dirty="0"/>
+              <a:t> </a:t>
+            </a:r>
+            <a:r>
+              <a:rPr kumimoji="1" lang="en-US" altLang="zh-CN" dirty="0" smtClean="0"/>
+              <a:t>by writing scripts</a:t>
+            </a:r>
+            <a:endParaRPr kumimoji="1" lang="zh-CN" altLang="en-US" dirty="0" smtClean="0"/>
+          </a:p>
+        </p:txBody>
+      </p:sp>
+    </p:spTree>
+    <p:extLst>
+      <p:ext uri="{BB962C8B-B14F-4D97-AF65-F5344CB8AC3E}">
+        <p14:creationId xmlns:p14="http://schemas.microsoft.com/office/powerpoint/2010/main" val="3065163831"/>
+      </p:ext>
+    </p:extLst>
+  </p:cSld>
+  <p:clrMapOvr>
+    <a:masterClrMapping/>
+  </p:clrMapOvr>
+</p:sld>
+</file>
+
+<file path=ppt/slides/slide35.xml><?xml version="1.0" encoding="utf-8"?>
+<p:sld xmlns:a="http://schemas.openxmlformats.org/drawingml/2006/main" xmlns:r="http://schemas.openxmlformats.org/officeDocument/2006/relationships" xmlns:p="http://schemas.openxmlformats.org/presentationml/2006/main">
+  <p:cSld>
+    <p:spTree>
+      <p:nvGrpSpPr>
+        <p:cNvPr id="1" name=""/>
+        <p:cNvGrpSpPr/>
+        <p:nvPr/>
+      </p:nvGrpSpPr>
+      <p:grpSpPr>
+        <a:xfrm>
+          <a:off x="0" y="0"/>
+          <a:ext cx="0" cy="0"/>
+          <a:chOff x="0" y="0"/>
+          <a:chExt cx="0" cy="0"/>
+        </a:xfrm>
+      </p:grpSpPr>
+      <p:sp>
+        <p:nvSpPr>
+          <p:cNvPr id="2" name="标题 1"/>
+          <p:cNvSpPr>
+            <a:spLocks noGrp="1"/>
+          </p:cNvSpPr>
+          <p:nvPr>
+            <p:ph type="title"/>
+          </p:nvPr>
+        </p:nvSpPr>
+        <p:spPr/>
+        <p:txBody>
+          <a:bodyPr/>
+          <a:lstStyle/>
+          <a:p>
+            <a:r>
+              <a:rPr kumimoji="1" lang="en-US" altLang="zh-CN" dirty="0" smtClean="0"/>
+              <a:t>Agenda</a:t>
+            </a:r>
+            <a:endParaRPr kumimoji="1" lang="zh-CN" altLang="en-US" dirty="0"/>
+          </a:p>
+        </p:txBody>
+      </p:sp>
+      <p:sp>
+        <p:nvSpPr>
+          <p:cNvPr id="3" name="内容占位符 2"/>
+          <p:cNvSpPr>
+            <a:spLocks noGrp="1"/>
+          </p:cNvSpPr>
+          <p:nvPr>
+            <p:ph idx="1"/>
+          </p:nvPr>
+        </p:nvSpPr>
+        <p:spPr/>
+        <p:txBody>
+          <a:bodyPr/>
+          <a:lstStyle/>
+          <a:p>
+            <a:r>
+              <a:rPr kumimoji="1" lang="en-US" altLang="zh-CN" dirty="0" smtClean="0"/>
+              <a:t>Welcome to panic</a:t>
+            </a:r>
+          </a:p>
+          <a:p>
+            <a:r>
+              <a:rPr kumimoji="1" lang="en-US" altLang="zh-CN" dirty="0" smtClean="0"/>
+              <a:t>Getting started</a:t>
+            </a:r>
+          </a:p>
+          <a:p>
+            <a:r>
+              <a:rPr kumimoji="1" lang="en-US" altLang="zh-CN" dirty="0" smtClean="0"/>
+              <a:t>Advanced Studies</a:t>
+            </a:r>
+          </a:p>
+          <a:p>
+            <a:r>
+              <a:rPr kumimoji="1" lang="en-US" altLang="zh-CN" dirty="0" smtClean="0">
+                <a:solidFill>
+                  <a:srgbClr val="FF0000"/>
+                </a:solidFill>
+              </a:rPr>
+              <a:t>Case Studies</a:t>
+            </a:r>
+          </a:p>
+          <a:p>
+            <a:r>
+              <a:rPr kumimoji="1" lang="en-US" altLang="zh-CN" dirty="0" smtClean="0"/>
+              <a:t>References</a:t>
+            </a:r>
+            <a:endParaRPr kumimoji="1" lang="zh-CN" altLang="en-US" dirty="0"/>
+          </a:p>
+        </p:txBody>
+      </p:sp>
+    </p:spTree>
+    <p:extLst>
+      <p:ext uri="{BB962C8B-B14F-4D97-AF65-F5344CB8AC3E}">
+        <p14:creationId xmlns:p14="http://schemas.microsoft.com/office/powerpoint/2010/main" val="3852232716"/>
+      </p:ext>
+    </p:extLst>
+  </p:cSld>
+  <p:clrMapOvr>
+    <a:masterClrMapping/>
+  </p:clrMapOvr>
+</p:sld>
+</file>
+
+<file path=ppt/slides/slide36.xml><?xml version="1.0" encoding="utf-8"?>
+<p:sld xmlns:a="http://schemas.openxmlformats.org/drawingml/2006/main" xmlns:r="http://schemas.openxmlformats.org/officeDocument/2006/relationships" xmlns:p="http://schemas.openxmlformats.org/presentationml/2006/main">
+  <p:cSld>
+    <p:spTree>
+      <p:nvGrpSpPr>
+        <p:cNvPr id="1" name=""/>
+        <p:cNvGrpSpPr/>
+        <p:nvPr/>
+      </p:nvGrpSpPr>
+      <p:grpSpPr>
+        <a:xfrm>
+          <a:off x="0" y="0"/>
+          <a:ext cx="0" cy="0"/>
+          <a:chOff x="0" y="0"/>
+          <a:chExt cx="0" cy="0"/>
+        </a:xfrm>
+      </p:grpSpPr>
+      <p:sp>
+        <p:nvSpPr>
+          <p:cNvPr id="2" name="标题 1"/>
+          <p:cNvSpPr>
+            <a:spLocks noGrp="1"/>
+          </p:cNvSpPr>
+          <p:nvPr>
+            <p:ph type="title"/>
+          </p:nvPr>
+        </p:nvSpPr>
+        <p:spPr/>
+        <p:txBody>
+          <a:bodyPr/>
+          <a:lstStyle/>
+          <a:p>
+            <a:pPr algn="l"/>
+            <a:r>
+              <a:rPr kumimoji="1" lang="en-US" altLang="zh-CN" dirty="0" smtClean="0"/>
+              <a:t>Sysrq Crash</a:t>
+            </a:r>
+            <a:endParaRPr kumimoji="1" lang="zh-CN" altLang="en-US" dirty="0"/>
+          </a:p>
+        </p:txBody>
+      </p:sp>
+      <p:sp>
+        <p:nvSpPr>
+          <p:cNvPr id="3" name="内容占位符 2"/>
+          <p:cNvSpPr>
+            <a:spLocks noGrp="1"/>
+          </p:cNvSpPr>
+          <p:nvPr>
+            <p:ph idx="1"/>
+          </p:nvPr>
+        </p:nvSpPr>
+        <p:spPr/>
+        <p:txBody>
+          <a:bodyPr/>
+          <a:lstStyle/>
+          <a:p>
+            <a:r>
+              <a:rPr kumimoji="1" lang="en-US" altLang="zh-CN" dirty="0" smtClean="0"/>
+              <a:t>Make sure crash dump (</a:t>
+            </a:r>
+            <a:r>
+              <a:rPr kumimoji="1" lang="en-US" altLang="zh-CN" dirty="0" err="1" smtClean="0"/>
+              <a:t>kdump</a:t>
+            </a:r>
+            <a:r>
+              <a:rPr kumimoji="1" lang="en-US" altLang="zh-CN" dirty="0" smtClean="0"/>
+              <a:t>) works</a:t>
+            </a:r>
+          </a:p>
+          <a:p>
+            <a:r>
+              <a:rPr kumimoji="1" lang="en-US" altLang="zh-CN" dirty="0" smtClean="0"/>
+              <a:t>Trigger a kernel panic by </a:t>
+            </a:r>
+            <a:r>
+              <a:rPr kumimoji="1" lang="en-US" altLang="zh-CN" dirty="0" err="1" smtClean="0"/>
+              <a:t>sysrq</a:t>
+            </a:r>
+            <a:endParaRPr kumimoji="1" lang="en-US" altLang="zh-CN" dirty="0" smtClean="0"/>
+          </a:p>
+          <a:p>
+            <a:pPr lvl="1"/>
+            <a:r>
+              <a:rPr lang="en-US" altLang="zh-CN" dirty="0"/>
+              <a:t>echo c </a:t>
+            </a:r>
+            <a:r>
+              <a:rPr lang="en-US" altLang="zh-CN" dirty="0" smtClean="0"/>
+              <a:t>&gt; /</a:t>
+            </a:r>
+            <a:r>
+              <a:rPr lang="en-US" altLang="zh-CN" dirty="0" err="1"/>
+              <a:t>proc</a:t>
+            </a:r>
+            <a:r>
+              <a:rPr lang="en-US" altLang="zh-CN" dirty="0"/>
+              <a:t>/</a:t>
+            </a:r>
+            <a:r>
+              <a:rPr lang="en-US" altLang="zh-CN" dirty="0" err="1"/>
+              <a:t>sysrq</a:t>
+            </a:r>
+            <a:r>
+              <a:rPr lang="en-US" altLang="zh-CN" dirty="0"/>
+              <a:t>-</a:t>
+            </a:r>
+            <a:r>
+              <a:rPr lang="en-US" altLang="zh-CN" dirty="0" smtClean="0"/>
+              <a:t>trigger</a:t>
+            </a:r>
+          </a:p>
+          <a:p>
+            <a:r>
+              <a:rPr kumimoji="1" lang="en-US" altLang="zh-CN" dirty="0" smtClean="0"/>
+              <a:t>Waiting for reboot and saving the core file</a:t>
+            </a:r>
+          </a:p>
+          <a:p>
+            <a:r>
+              <a:rPr kumimoji="1" lang="en-US" altLang="zh-CN" dirty="0" smtClean="0"/>
+              <a:t>Using crash to check the core file</a:t>
+            </a:r>
+          </a:p>
+          <a:p>
+            <a:r>
+              <a:rPr kumimoji="1" lang="en-US" altLang="zh-CN" dirty="0" smtClean="0"/>
+              <a:t>Explain how </a:t>
+            </a:r>
+            <a:r>
+              <a:rPr kumimoji="1" lang="en-US" altLang="zh-CN" dirty="0" err="1" smtClean="0"/>
+              <a:t>sysrq</a:t>
+            </a:r>
+            <a:r>
+              <a:rPr kumimoji="1" lang="en-US" altLang="zh-CN" dirty="0" smtClean="0"/>
+              <a:t> crashes the kernel</a:t>
+            </a:r>
+          </a:p>
+          <a:p>
+            <a:endParaRPr kumimoji="1" lang="zh-CN" altLang="en-US" dirty="0"/>
+          </a:p>
+        </p:txBody>
+      </p:sp>
+    </p:spTree>
+    <p:extLst>
+      <p:ext uri="{BB962C8B-B14F-4D97-AF65-F5344CB8AC3E}">
+        <p14:creationId xmlns:p14="http://schemas.microsoft.com/office/powerpoint/2010/main" val="207889953"/>
+      </p:ext>
+    </p:extLst>
+  </p:cSld>
+  <p:clrMapOvr>
+    <a:masterClrMapping/>
+  </p:clrMapOvr>
+</p:sld>
+</file>
+
+<file path=ppt/slides/slide37.xml><?xml version="1.0" encoding="utf-8"?>
+<p:sld xmlns:a="http://schemas.openxmlformats.org/drawingml/2006/main" xmlns:r="http://schemas.openxmlformats.org/officeDocument/2006/relationships" xmlns:p="http://schemas.openxmlformats.org/presentationml/2006/main">
+  <p:cSld>
+    <p:spTree>
+      <p:nvGrpSpPr>
+        <p:cNvPr id="1" name=""/>
+        <p:cNvGrpSpPr/>
+        <p:nvPr/>
+      </p:nvGrpSpPr>
+      <p:grpSpPr>
+        <a:xfrm>
+          <a:off x="0" y="0"/>
+          <a:ext cx="0" cy="0"/>
+          <a:chOff x="0" y="0"/>
+          <a:chExt cx="0" cy="0"/>
+        </a:xfrm>
+      </p:grpSpPr>
+      <p:sp>
+        <p:nvSpPr>
+          <p:cNvPr id="2" name="标题 1"/>
+          <p:cNvSpPr>
+            <a:spLocks noGrp="1"/>
+          </p:cNvSpPr>
+          <p:nvPr>
+            <p:ph type="title"/>
+          </p:nvPr>
+        </p:nvSpPr>
+        <p:spPr/>
+        <p:txBody>
+          <a:bodyPr/>
+          <a:lstStyle/>
+          <a:p>
+            <a:pPr algn="l"/>
+            <a:r>
+              <a:rPr kumimoji="1" lang="en-US" altLang="zh-CN" dirty="0" smtClean="0"/>
+              <a:t>Read Files From </a:t>
+            </a:r>
+            <a:r>
+              <a:rPr kumimoji="1" lang="en-US" altLang="zh-CN" dirty="0"/>
+              <a:t>P</a:t>
+            </a:r>
+            <a:r>
+              <a:rPr kumimoji="1" lang="en-US" altLang="zh-CN" dirty="0" smtClean="0"/>
+              <a:t>age Cache</a:t>
+            </a:r>
+            <a:endParaRPr kumimoji="1" lang="zh-CN" altLang="en-US" dirty="0"/>
+          </a:p>
+        </p:txBody>
+      </p:sp>
+      <p:sp>
+        <p:nvSpPr>
+          <p:cNvPr id="3" name="内容占位符 2"/>
+          <p:cNvSpPr>
+            <a:spLocks noGrp="1"/>
+          </p:cNvSpPr>
+          <p:nvPr>
+            <p:ph idx="1"/>
+          </p:nvPr>
+        </p:nvSpPr>
+        <p:spPr/>
+        <p:txBody>
+          <a:bodyPr/>
+          <a:lstStyle/>
+          <a:p>
+            <a:r>
+              <a:rPr kumimoji="1" lang="en-US" altLang="zh-CN" dirty="0" smtClean="0"/>
+              <a:t>Using vi to open a text file in system</a:t>
+            </a:r>
+          </a:p>
+          <a:p>
+            <a:r>
+              <a:rPr kumimoji="1" lang="en-US" altLang="zh-CN" dirty="0" smtClean="0"/>
+              <a:t>Invoking crash against living system</a:t>
+            </a:r>
+          </a:p>
+          <a:p>
+            <a:r>
+              <a:rPr kumimoji="1" lang="en-US" altLang="zh-CN" dirty="0" smtClean="0"/>
+              <a:t>Walking the file pages from page cache</a:t>
+            </a:r>
+          </a:p>
+          <a:p>
+            <a:r>
+              <a:rPr kumimoji="1" lang="en-US" altLang="zh-CN" dirty="0" smtClean="0"/>
+              <a:t>Dump the file contents from memory</a:t>
+            </a:r>
+          </a:p>
+          <a:p>
+            <a:pPr marL="0" indent="0">
+              <a:buNone/>
+            </a:pPr>
+            <a:endParaRPr kumimoji="1" lang="zh-CN" altLang="en-US" dirty="0" smtClean="0"/>
+          </a:p>
+          <a:p>
+            <a:pPr marL="0" indent="0">
+              <a:buNone/>
+            </a:pPr>
+            <a:r>
+              <a:rPr kumimoji="1" lang="en-US" altLang="zh-CN" dirty="0" smtClean="0"/>
+              <a:t>See my </a:t>
+            </a:r>
+            <a:r>
+              <a:rPr kumimoji="1" lang="en-US" altLang="zh-CN" dirty="0" smtClean="0">
+                <a:hlinkClick r:id="rId2"/>
+              </a:rPr>
+              <a:t>page cache debug blog</a:t>
+            </a:r>
+            <a:r>
+              <a:rPr kumimoji="1" lang="en-US" altLang="zh-CN" dirty="0" smtClean="0"/>
+              <a:t>.</a:t>
+            </a:r>
+            <a:endParaRPr kumimoji="1" lang="en-US" altLang="zh-CN" dirty="0"/>
+          </a:p>
+        </p:txBody>
+      </p:sp>
+    </p:spTree>
+    <p:extLst>
+      <p:ext uri="{BB962C8B-B14F-4D97-AF65-F5344CB8AC3E}">
+        <p14:creationId xmlns:p14="http://schemas.microsoft.com/office/powerpoint/2010/main" val="4222608396"/>
+      </p:ext>
+    </p:extLst>
+  </p:cSld>
+  <p:clrMapOvr>
+    <a:masterClrMapping/>
+  </p:clrMapOvr>
+</p:sld>
+</file>
+
+<file path=ppt/slides/slide38.xml><?xml version="1.0" encoding="utf-8"?>
+<p:sld xmlns:a="http://schemas.openxmlformats.org/drawingml/2006/main" xmlns:r="http://schemas.openxmlformats.org/officeDocument/2006/relationships" xmlns:p="http://schemas.openxmlformats.org/presentationml/2006/main">
+  <p:cSld>
+    <p:spTree>
+      <p:nvGrpSpPr>
+        <p:cNvPr id="1" name=""/>
+        <p:cNvGrpSpPr/>
+        <p:nvPr/>
+      </p:nvGrpSpPr>
+      <p:grpSpPr>
+        <a:xfrm>
+          <a:off x="0" y="0"/>
+          <a:ext cx="0" cy="0"/>
+          <a:chOff x="0" y="0"/>
+          <a:chExt cx="0" cy="0"/>
+        </a:xfrm>
+      </p:grpSpPr>
+      <p:sp>
+        <p:nvSpPr>
+          <p:cNvPr id="2" name="标题 1"/>
+          <p:cNvSpPr>
+            <a:spLocks noGrp="1"/>
+          </p:cNvSpPr>
+          <p:nvPr>
+            <p:ph type="title"/>
+          </p:nvPr>
+        </p:nvSpPr>
+        <p:spPr/>
+        <p:txBody>
+          <a:bodyPr/>
+          <a:lstStyle/>
+          <a:p>
+            <a:r>
+              <a:rPr kumimoji="1" lang="en-US" altLang="zh-CN" dirty="0" smtClean="0"/>
+              <a:t>Agenda</a:t>
+            </a:r>
+            <a:endParaRPr kumimoji="1" lang="zh-CN" altLang="en-US" dirty="0"/>
+          </a:p>
+        </p:txBody>
+      </p:sp>
+      <p:sp>
+        <p:nvSpPr>
+          <p:cNvPr id="3" name="内容占位符 2"/>
+          <p:cNvSpPr>
+            <a:spLocks noGrp="1"/>
+          </p:cNvSpPr>
+          <p:nvPr>
+            <p:ph idx="1"/>
+          </p:nvPr>
+        </p:nvSpPr>
+        <p:spPr/>
+        <p:txBody>
+          <a:bodyPr/>
+          <a:lstStyle/>
+          <a:p>
+            <a:r>
+              <a:rPr kumimoji="1" lang="en-US" altLang="zh-CN" dirty="0" smtClean="0"/>
+              <a:t>Welcome to panic</a:t>
+            </a:r>
+          </a:p>
+          <a:p>
+            <a:r>
+              <a:rPr kumimoji="1" lang="en-US" altLang="zh-CN" dirty="0" smtClean="0"/>
+              <a:t>Getting started</a:t>
+            </a:r>
+          </a:p>
+          <a:p>
+            <a:r>
+              <a:rPr kumimoji="1" lang="en-US" altLang="zh-CN" dirty="0" smtClean="0"/>
+              <a:t>Advanced Studies</a:t>
+            </a:r>
+          </a:p>
+          <a:p>
+            <a:r>
+              <a:rPr kumimoji="1" lang="en-US" altLang="zh-CN" dirty="0" smtClean="0"/>
+              <a:t>Case Studies</a:t>
+            </a:r>
+          </a:p>
+          <a:p>
+            <a:r>
+              <a:rPr kumimoji="1" lang="en-US" altLang="zh-CN" dirty="0" smtClean="0">
+                <a:solidFill>
+                  <a:srgbClr val="FF0000"/>
+                </a:solidFill>
+              </a:rPr>
+              <a:t>References</a:t>
+            </a:r>
+            <a:endParaRPr kumimoji="1" lang="zh-CN" altLang="en-US" dirty="0">
+              <a:solidFill>
+                <a:srgbClr val="FF0000"/>
+              </a:solidFill>
+            </a:endParaRPr>
+          </a:p>
+        </p:txBody>
+      </p:sp>
+    </p:spTree>
+    <p:extLst>
+      <p:ext uri="{BB962C8B-B14F-4D97-AF65-F5344CB8AC3E}">
+        <p14:creationId xmlns:p14="http://schemas.microsoft.com/office/powerpoint/2010/main" val="2059535507"/>
+      </p:ext>
+    </p:extLst>
+  </p:cSld>
+  <p:clrMapOvr>
+    <a:masterClrMapping/>
+  </p:clrMapOvr>
+</p:sld>
+</file>
+
+<file path=ppt/slides/slide39.xml><?xml version="1.0" encoding="utf-8"?>
+<p:sld xmlns:a="http://schemas.openxmlformats.org/drawingml/2006/main" xmlns:r="http://schemas.openxmlformats.org/officeDocument/2006/relationships" xmlns:p="http://schemas.openxmlformats.org/presentationml/2006/main">
+  <p:cSld>
+    <p:spTree>
+      <p:nvGrpSpPr>
+        <p:cNvPr id="1" name=""/>
+        <p:cNvGrpSpPr/>
+        <p:nvPr/>
+      </p:nvGrpSpPr>
+      <p:grpSpPr>
+        <a:xfrm>
+          <a:off x="0" y="0"/>
+          <a:ext cx="0" cy="0"/>
+          <a:chOff x="0" y="0"/>
+          <a:chExt cx="0" cy="0"/>
+        </a:xfrm>
+      </p:grpSpPr>
+      <p:sp>
+        <p:nvSpPr>
+          <p:cNvPr id="2" name="标题 1"/>
+          <p:cNvSpPr>
+            <a:spLocks noGrp="1"/>
+          </p:cNvSpPr>
+          <p:nvPr>
+            <p:ph type="title"/>
+          </p:nvPr>
+        </p:nvSpPr>
+        <p:spPr/>
+        <p:txBody>
+          <a:bodyPr/>
+          <a:lstStyle/>
+          <a:p>
+            <a:pPr algn="l"/>
+            <a:r>
+              <a:rPr kumimoji="1" lang="en-US" altLang="zh-CN" dirty="0" smtClean="0"/>
               <a:t>References</a:t>
             </a:r>
             <a:endParaRPr kumimoji="1" lang="zh-CN" altLang="en-US" dirty="0"/>
@@ -15705,18 +16906,18 @@
           </a:p>
           <a:p>
             <a:r>
-              <a:rPr lang="en-US" altLang="zh-CN" b="1" dirty="0">
+              <a:rPr lang="en-US" altLang="zh-CN" dirty="0">
                 <a:hlinkClick r:id="rId3"/>
               </a:rPr>
               <a:t>Documentation/admin-guide/bug-</a:t>
             </a:r>
             <a:r>
-              <a:rPr lang="en-US" altLang="zh-CN" b="1" dirty="0" err="1">
+              <a:rPr lang="en-US" altLang="zh-CN" dirty="0" err="1">
                 <a:hlinkClick r:id="rId3"/>
               </a:rPr>
               <a:t>hunting.rst</a:t>
             </a:r>
-            <a:endParaRPr lang="en-US" altLang="zh-CN" b="1" dirty="0"/>
+            <a:endParaRPr lang="en-US" altLang="zh-CN" dirty="0"/>
           </a:p>
           <a:p>
             <a:r>
@@ -16053,7 +17254,11 @@
           <a:p>
             <a:r>
               <a:rPr kumimoji="1" lang="en-US" altLang="zh-CN" dirty="0" smtClean="0"/>
-              <a:t>Fatal hardware errors</a:t>
+              <a:t>Fatal hardware </a:t>
+            </a:r>
+            <a:r>
+              <a:rPr kumimoji="1" lang="en-US" altLang="zh-CN" dirty="0" smtClean="0"/>
+              <a:t>errors</a:t>
             </a:r>
             <a:r>
               <a:rPr kumimoji="1" lang="mr-IN" altLang="zh-CN" dirty="0" smtClean="0"/>
@@ -16210,7 +17415,11 @@
           <a:p>
             <a:r>
               <a:rPr kumimoji="1" lang="en-US" altLang="zh-CN" dirty="0" smtClean="0"/>
-              <a:t>Other information dump</a:t>
+              <a:t>Other information </a:t>
+            </a:r>
+            <a:r>
+              <a:rPr kumimoji="1" lang="en-US" altLang="zh-CN" dirty="0" smtClean="0"/>
+              <a:t>dump</a:t>
             </a:r>
             <a:r>
               <a:rPr kumimoji="1" lang="mr-IN" altLang="zh-CN" dirty="0" smtClean="0"/>
@@ -16674,11 +17883,7 @@
             </a:r>
             <a:r>
               <a:rPr kumimoji="1" lang="en-US" altLang="zh-CN" dirty="0" smtClean="0"/>
-              <a:t>Console </a:t>
-            </a:r>
-            <a:r>
-              <a:rPr kumimoji="1" lang="en-US" altLang="zh-CN" dirty="0" smtClean="0"/>
-              <a:t>Messages</a:t>
+              <a:t>Console Messages</a:t>
             </a:r>
             <a:endParaRPr kumimoji="1" lang="zh-CN" altLang="en-US" dirty="0"/>
           </a:p>

--- a/slides/2017/linux_crash_dump_analysis.pptx
+++ b/slides/2017/linux_crash_dump_analysis.pptx
@@ -25,12 +25,12 @@
     <p:sldId id="287" r:id="rId19"/>
     <p:sldId id="294" r:id="rId20"/>
     <p:sldId id="295" r:id="rId21"/>
-    <p:sldId id="280" r:id="rId22"/>
+    <p:sldId id="289" r:id="rId22"/>
     <p:sldId id="278" r:id="rId23"/>
     <p:sldId id="276" r:id="rId24"/>
     <p:sldId id="277" r:id="rId25"/>
     <p:sldId id="288" r:id="rId26"/>
-    <p:sldId id="289" r:id="rId27"/>
+    <p:sldId id="280" r:id="rId27"/>
     <p:sldId id="291" r:id="rId28"/>
     <p:sldId id="282" r:id="rId29"/>
     <p:sldId id="283" r:id="rId30"/>
@@ -402,7 +402,7 @@
           <a:p>
             <a:fld id="{D140825E-4A15-4D39-8176-1F07E904CB30}" type="datetimeFigureOut">
               <a:rPr lang="en-US" smtClean="0"/>
-              <a:t>17/7/20</a:t>
+              <a:t>17/7/28</a:t>
             </a:fld>
             <a:endParaRPr lang="en-US"/>
           </a:p>
@@ -547,7 +547,7 @@
           <a:p>
             <a:fld id="{D140825E-4A15-4D39-8176-1F07E904CB30}" type="datetimeFigureOut">
               <a:rPr lang="en-US" smtClean="0"/>
-              <a:t>17/7/20</a:t>
+              <a:t>17/7/28</a:t>
             </a:fld>
             <a:endParaRPr lang="en-US"/>
           </a:p>
@@ -1004,7 +1004,7 @@
           <a:p>
             <a:fld id="{D140825E-4A15-4D39-8176-1F07E904CB30}" type="datetimeFigureOut">
               <a:rPr lang="en-US" smtClean="0"/>
-              <a:t>17/7/20</a:t>
+              <a:t>17/7/28</a:t>
             </a:fld>
             <a:endParaRPr lang="en-US"/>
           </a:p>
@@ -1372,7 +1372,7 @@
           <a:p>
             <a:fld id="{D140825E-4A15-4D39-8176-1F07E904CB30}" type="datetimeFigureOut">
               <a:rPr lang="en-US" smtClean="0"/>
-              <a:t>17/7/20</a:t>
+              <a:t>17/7/28</a:t>
             </a:fld>
             <a:endParaRPr lang="en-US"/>
           </a:p>
@@ -1462,7 +1462,7 @@
           <a:p>
             <a:fld id="{D140825E-4A15-4D39-8176-1F07E904CB30}" type="datetimeFigureOut">
               <a:rPr lang="en-US" smtClean="0"/>
-              <a:t>17/7/20</a:t>
+              <a:t>17/7/28</a:t>
             </a:fld>
             <a:endParaRPr lang="en-US"/>
           </a:p>
@@ -1740,7 +1740,7 @@
           <a:p>
             <a:fld id="{D140825E-4A15-4D39-8176-1F07E904CB30}" type="datetimeFigureOut">
               <a:rPr lang="en-US" smtClean="0"/>
-              <a:t>17/7/20</a:t>
+              <a:t>17/7/28</a:t>
             </a:fld>
             <a:endParaRPr lang="en-US"/>
           </a:p>
@@ -1933,7 +1933,7 @@
           <a:p>
             <a:fld id="{D140825E-4A15-4D39-8176-1F07E904CB30}" type="datetimeFigureOut">
               <a:rPr lang="en-US" smtClean="0"/>
-              <a:t>17/7/20</a:t>
+              <a:t>17/7/28</a:t>
             </a:fld>
             <a:endParaRPr lang="en-US"/>
           </a:p>
@@ -2675,7 +2675,7 @@
           <a:p>
             <a:fld id="{D140825E-4A15-4D39-8176-1F07E904CB30}" type="datetimeFigureOut">
               <a:rPr lang="en-US" smtClean="0"/>
-              <a:t>17/7/20</a:t>
+              <a:t>17/7/28</a:t>
             </a:fld>
             <a:endParaRPr lang="en-US"/>
           </a:p>
@@ -3013,7 +3013,7 @@
           <a:p>
             <a:fld id="{D140825E-4A15-4D39-8176-1F07E904CB30}" type="datetimeFigureOut">
               <a:rPr lang="en-US" smtClean="0"/>
-              <a:t>17/7/20</a:t>
+              <a:t>17/7/28</a:t>
             </a:fld>
             <a:endParaRPr lang="en-US"/>
           </a:p>
@@ -3610,7 +3610,7 @@
           <a:p>
             <a:fld id="{D140825E-4A15-4D39-8176-1F07E904CB30}" type="datetimeFigureOut">
               <a:rPr lang="en-US" smtClean="0"/>
-              <a:t>17/7/20</a:t>
+              <a:t>17/7/28</a:t>
             </a:fld>
             <a:endParaRPr lang="en-US"/>
           </a:p>
@@ -3793,7 +3793,7 @@
           <a:p>
             <a:fld id="{D140825E-4A15-4D39-8176-1F07E904CB30}" type="datetimeFigureOut">
               <a:rPr lang="en-US" smtClean="0"/>
-              <a:t>17/7/20</a:t>
+              <a:t>17/7/28</a:t>
             </a:fld>
             <a:endParaRPr lang="en-US"/>
           </a:p>
@@ -3962,7 +3962,7 @@
           <a:p>
             <a:fld id="{D140825E-4A15-4D39-8176-1F07E904CB30}" type="datetimeFigureOut">
               <a:rPr lang="en-US" smtClean="0"/>
-              <a:t>17/7/20</a:t>
+              <a:t>17/7/28</a:t>
             </a:fld>
             <a:endParaRPr lang="en-US"/>
           </a:p>
@@ -4155,7 +4155,7 @@
           <a:p>
             <a:fld id="{D140825E-4A15-4D39-8176-1F07E904CB30}" type="datetimeFigureOut">
               <a:rPr lang="en-US" smtClean="0"/>
-              <a:t>17/7/20</a:t>
+              <a:t>17/7/28</a:t>
             </a:fld>
             <a:endParaRPr lang="en-US"/>
           </a:p>
@@ -4574,7 +4574,7 @@
           <a:p>
             <a:fld id="{D140825E-4A15-4D39-8176-1F07E904CB30}" type="datetimeFigureOut">
               <a:rPr lang="en-US" smtClean="0"/>
-              <a:t>17/7/20</a:t>
+              <a:t>17/7/28</a:t>
             </a:fld>
             <a:endParaRPr lang="en-US"/>
           </a:p>
@@ -4872,7 +4872,7 @@
           <a:p>
             <a:fld id="{D140825E-4A15-4D39-8176-1F07E904CB30}" type="datetimeFigureOut">
               <a:rPr lang="en-US" smtClean="0"/>
-              <a:t>17/7/20</a:t>
+              <a:t>17/7/28</a:t>
             </a:fld>
             <a:endParaRPr lang="en-US"/>
           </a:p>
@@ -5273,7 +5273,7 @@
           <a:p>
             <a:fld id="{D140825E-4A15-4D39-8176-1F07E904CB30}" type="datetimeFigureOut">
               <a:rPr lang="en-US" smtClean="0"/>
-              <a:t>17/7/20</a:t>
+              <a:t>17/7/28</a:t>
             </a:fld>
             <a:endParaRPr lang="en-US"/>
           </a:p>
@@ -5663,7 +5663,7 @@
           <a:p>
             <a:fld id="{D140825E-4A15-4D39-8176-1F07E904CB30}" type="datetimeFigureOut">
               <a:rPr lang="en-US" smtClean="0"/>
-              <a:t>17/7/20</a:t>
+              <a:t>17/7/28</a:t>
             </a:fld>
             <a:endParaRPr lang="en-US"/>
           </a:p>
@@ -5946,7 +5946,7 @@
           <a:p>
             <a:fld id="{D140825E-4A15-4D39-8176-1F07E904CB30}" type="datetimeFigureOut">
               <a:rPr lang="en-US" smtClean="0"/>
-              <a:t>17/7/20</a:t>
+              <a:t>17/7/28</a:t>
             </a:fld>
             <a:endParaRPr lang="en-US"/>
           </a:p>
@@ -6385,7 +6385,7 @@
           <a:p>
             <a:fld id="{D140825E-4A15-4D39-8176-1F07E904CB30}" type="datetimeFigureOut">
               <a:rPr lang="en-US" smtClean="0"/>
-              <a:t>17/7/20</a:t>
+              <a:t>17/7/28</a:t>
             </a:fld>
             <a:endParaRPr lang="en-US"/>
           </a:p>
@@ -6679,7 +6679,7 @@
           <a:p>
             <a:fld id="{D140825E-4A15-4D39-8176-1F07E904CB30}" type="datetimeFigureOut">
               <a:rPr lang="en-US" smtClean="0"/>
-              <a:t>17/7/20</a:t>
+              <a:t>17/7/28</a:t>
             </a:fld>
             <a:endParaRPr lang="en-US"/>
           </a:p>
@@ -6971,7 +6971,7 @@
           <a:p>
             <a:fld id="{D140825E-4A15-4D39-8176-1F07E904CB30}" type="datetimeFigureOut">
               <a:rPr lang="en-US" smtClean="0"/>
-              <a:t>17/7/20</a:t>
+              <a:t>17/7/28</a:t>
             </a:fld>
             <a:endParaRPr lang="en-US"/>
           </a:p>
@@ -7439,15 +7439,7 @@
           <a:p>
             <a:r>
               <a:rPr kumimoji="1" lang="en-US" altLang="zh-CN" dirty="0" smtClean="0"/>
-              <a:t>Oliver Yang    </a:t>
-            </a:r>
-            <a:r>
-              <a:rPr kumimoji="1" lang="en-US" altLang="zh-CN" dirty="0" smtClean="0"/>
-              <a:t>Jul, </a:t>
-            </a:r>
-            <a:r>
-              <a:rPr kumimoji="1" lang="en-US" altLang="zh-CN" dirty="0" smtClean="0"/>
-              <a:t>2017</a:t>
+              <a:t>Oliver Yang    Jul, 2017</a:t>
             </a:r>
           </a:p>
           <a:p>
@@ -12991,6 +12983,1071 @@
 </file>
 
 <file path=ppt/slides/slide21.xml><?xml version="1.0" encoding="utf-8"?>
+<p:sld xmlns:a="http://schemas.openxmlformats.org/drawingml/2006/main" xmlns:r="http://schemas.openxmlformats.org/officeDocument/2006/relationships" xmlns:p="http://schemas.openxmlformats.org/presentationml/2006/main">
+  <p:cSld>
+    <p:spTree>
+      <p:nvGrpSpPr>
+        <p:cNvPr id="1" name=""/>
+        <p:cNvGrpSpPr/>
+        <p:nvPr/>
+      </p:nvGrpSpPr>
+      <p:grpSpPr>
+        <a:xfrm>
+          <a:off x="0" y="0"/>
+          <a:ext cx="0" cy="0"/>
+          <a:chOff x="0" y="0"/>
+          <a:chExt cx="0" cy="0"/>
+        </a:xfrm>
+      </p:grpSpPr>
+      <p:sp>
+        <p:nvSpPr>
+          <p:cNvPr id="2" name="标题 1"/>
+          <p:cNvSpPr>
+            <a:spLocks noGrp="1"/>
+          </p:cNvSpPr>
+          <p:nvPr>
+            <p:ph type="title"/>
+          </p:nvPr>
+        </p:nvSpPr>
+        <p:spPr/>
+        <p:txBody>
+          <a:bodyPr/>
+          <a:lstStyle/>
+          <a:p>
+            <a:r>
+              <a:rPr kumimoji="1" lang="en-US" altLang="zh-CN" dirty="0" smtClean="0"/>
+              <a:t>x64 </a:t>
+            </a:r>
+            <a:r>
+              <a:rPr kumimoji="1" lang="en-US" altLang="zh-CN" dirty="0" err="1" smtClean="0"/>
+              <a:t>SystemV</a:t>
+            </a:r>
+            <a:r>
+              <a:rPr kumimoji="1" lang="en-US" altLang="zh-CN" dirty="0" smtClean="0"/>
+              <a:t> ABI</a:t>
+            </a:r>
+            <a:endParaRPr kumimoji="1" lang="zh-CN" altLang="en-US" dirty="0"/>
+          </a:p>
+        </p:txBody>
+      </p:sp>
+      <p:pic>
+        <p:nvPicPr>
+          <p:cNvPr id="4" name="图片 3" descr="屏幕快照 2017-07-19 下午10.51.15.png"/>
+          <p:cNvPicPr>
+            <a:picLocks noChangeAspect="1"/>
+          </p:cNvPicPr>
+          <p:nvPr/>
+        </p:nvPicPr>
+        <p:blipFill>
+          <a:blip r:embed="rId2">
+            <a:extLst>
+              <a:ext uri="{28A0092B-C50C-407E-A947-70E740481C1C}">
+                <a14:useLocalDpi xmlns:a14="http://schemas.microsoft.com/office/drawing/2010/main" val="0"/>
+              </a:ext>
+            </a:extLst>
+          </a:blip>
+          <a:stretch>
+            <a:fillRect/>
+          </a:stretch>
+        </p:blipFill>
+        <p:spPr>
+          <a:xfrm>
+            <a:off x="1268413" y="1498600"/>
+            <a:ext cx="7366000" cy="5073082"/>
+          </a:xfrm>
+          <a:prstGeom prst="rect">
+            <a:avLst/>
+          </a:prstGeom>
+        </p:spPr>
+      </p:pic>
+    </p:spTree>
+    <p:extLst>
+      <p:ext uri="{BB962C8B-B14F-4D97-AF65-F5344CB8AC3E}">
+        <p14:creationId xmlns:p14="http://schemas.microsoft.com/office/powerpoint/2010/main" val="1558995750"/>
+      </p:ext>
+    </p:extLst>
+  </p:cSld>
+  <p:clrMapOvr>
+    <a:masterClrMapping/>
+  </p:clrMapOvr>
+</p:sld>
+</file>
+
+<file path=ppt/slides/slide22.xml><?xml version="1.0" encoding="utf-8"?>
+<p:sld xmlns:a="http://schemas.openxmlformats.org/drawingml/2006/main" xmlns:r="http://schemas.openxmlformats.org/officeDocument/2006/relationships" xmlns:p="http://schemas.openxmlformats.org/presentationml/2006/main">
+  <p:cSld>
+    <p:spTree>
+      <p:nvGrpSpPr>
+        <p:cNvPr id="1" name=""/>
+        <p:cNvGrpSpPr/>
+        <p:nvPr/>
+      </p:nvGrpSpPr>
+      <p:grpSpPr>
+        <a:xfrm>
+          <a:off x="0" y="0"/>
+          <a:ext cx="0" cy="0"/>
+          <a:chOff x="0" y="0"/>
+          <a:chExt cx="0" cy="0"/>
+        </a:xfrm>
+      </p:grpSpPr>
+      <p:sp>
+        <p:nvSpPr>
+          <p:cNvPr id="2" name="标题 1"/>
+          <p:cNvSpPr>
+            <a:spLocks noGrp="1"/>
+          </p:cNvSpPr>
+          <p:nvPr>
+            <p:ph type="title"/>
+          </p:nvPr>
+        </p:nvSpPr>
+        <p:spPr/>
+        <p:txBody>
+          <a:bodyPr/>
+          <a:lstStyle/>
+          <a:p>
+            <a:pPr algn="l"/>
+            <a:r>
+              <a:rPr kumimoji="1" lang="en-US" altLang="zh-CN" dirty="0"/>
+              <a:t>x</a:t>
+            </a:r>
+            <a:r>
+              <a:rPr kumimoji="1" lang="en-US" altLang="zh-CN" dirty="0" smtClean="0"/>
+              <a:t>64 Stack Frame</a:t>
+            </a:r>
+            <a:endParaRPr kumimoji="1" lang="zh-CN" altLang="en-US" dirty="0"/>
+          </a:p>
+        </p:txBody>
+      </p:sp>
+      <p:pic>
+        <p:nvPicPr>
+          <p:cNvPr id="6" name="内容占位符 5" descr="屏幕快照 2017-07-19 下午11.36.26.png"/>
+          <p:cNvPicPr>
+            <a:picLocks noGrp="1" noChangeAspect="1"/>
+          </p:cNvPicPr>
+          <p:nvPr>
+            <p:ph idx="1"/>
+          </p:nvPr>
+        </p:nvPicPr>
+        <p:blipFill>
+          <a:blip r:embed="rId2">
+            <a:extLst>
+              <a:ext uri="{28A0092B-C50C-407E-A947-70E740481C1C}">
+                <a14:useLocalDpi xmlns:a14="http://schemas.microsoft.com/office/drawing/2010/main" val="0"/>
+              </a:ext>
+            </a:extLst>
+          </a:blip>
+          <a:srcRect t="-7256" b="-7256"/>
+          <a:stretch>
+            <a:fillRect/>
+          </a:stretch>
+        </p:blipFill>
+        <p:spPr/>
+      </p:pic>
+      <p:sp>
+        <p:nvSpPr>
+          <p:cNvPr id="7" name="圆角矩形 6"/>
+          <p:cNvSpPr/>
+          <p:nvPr/>
+        </p:nvSpPr>
+        <p:spPr>
+          <a:xfrm>
+            <a:off x="914400" y="4076700"/>
+            <a:ext cx="7313613" cy="1041400"/>
+          </a:xfrm>
+          <a:prstGeom prst="roundRect">
+            <a:avLst/>
+          </a:prstGeom>
+          <a:blipFill dpi="0" rotWithShape="1">
+            <a:blip r:embed="rId3">
+              <a:alphaModFix amt="25000"/>
+              <a:duotone>
+                <a:schemeClr val="accent1">
+                  <a:shade val="30000"/>
+                  <a:satMod val="150000"/>
+                </a:schemeClr>
+                <a:schemeClr val="accent1">
+                  <a:alpha val="10000"/>
+                  <a:satMod val="120000"/>
+                </a:schemeClr>
+              </a:duotone>
+            </a:blip>
+            <a:srcRect/>
+            <a:stretch>
+              <a:fillRect/>
+            </a:stretch>
+          </a:blipFill>
+        </p:spPr>
+        <p:style>
+          <a:lnRef idx="1">
+            <a:schemeClr val="accent1"/>
+          </a:lnRef>
+          <a:fillRef idx="3">
+            <a:schemeClr val="accent1"/>
+          </a:fillRef>
+          <a:effectRef idx="2">
+            <a:schemeClr val="accent1"/>
+          </a:effectRef>
+          <a:fontRef idx="minor">
+            <a:schemeClr val="lt1"/>
+          </a:fontRef>
+        </p:style>
+        <p:txBody>
+          <a:bodyPr rtlCol="0" anchor="ctr"/>
+          <a:lstStyle/>
+          <a:p>
+            <a:pPr algn="ctr"/>
+            <a:r>
+              <a:rPr kumimoji="1" lang="en-US" altLang="zh-CN" dirty="0" smtClean="0"/>
+              <a:t>                                                                       </a:t>
+            </a:r>
+            <a:r>
+              <a:rPr kumimoji="1" lang="en-US" altLang="zh-CN" dirty="0" smtClean="0">
+                <a:solidFill>
+                  <a:srgbClr val="FF0000"/>
+                </a:solidFill>
+              </a:rPr>
+              <a:t>Local Variable</a:t>
+            </a:r>
+            <a:endParaRPr kumimoji="1" lang="zh-CN" altLang="en-US" dirty="0">
+              <a:solidFill>
+                <a:srgbClr val="FF0000"/>
+              </a:solidFill>
+            </a:endParaRPr>
+          </a:p>
+        </p:txBody>
+      </p:sp>
+    </p:spTree>
+    <p:extLst>
+      <p:ext uri="{BB962C8B-B14F-4D97-AF65-F5344CB8AC3E}">
+        <p14:creationId xmlns:p14="http://schemas.microsoft.com/office/powerpoint/2010/main" val="2363056805"/>
+      </p:ext>
+    </p:extLst>
+  </p:cSld>
+  <p:clrMapOvr>
+    <a:masterClrMapping/>
+  </p:clrMapOvr>
+</p:sld>
+</file>
+
+<file path=ppt/slides/slide23.xml><?xml version="1.0" encoding="utf-8"?>
+<p:sld xmlns:a="http://schemas.openxmlformats.org/drawingml/2006/main" xmlns:r="http://schemas.openxmlformats.org/officeDocument/2006/relationships" xmlns:p="http://schemas.openxmlformats.org/presentationml/2006/main">
+  <p:cSld>
+    <p:spTree>
+      <p:nvGrpSpPr>
+        <p:cNvPr id="1" name=""/>
+        <p:cNvGrpSpPr/>
+        <p:nvPr/>
+      </p:nvGrpSpPr>
+      <p:grpSpPr>
+        <a:xfrm>
+          <a:off x="0" y="0"/>
+          <a:ext cx="0" cy="0"/>
+          <a:chOff x="0" y="0"/>
+          <a:chExt cx="0" cy="0"/>
+        </a:xfrm>
+      </p:grpSpPr>
+      <p:sp>
+        <p:nvSpPr>
+          <p:cNvPr id="2" name="标题 1"/>
+          <p:cNvSpPr>
+            <a:spLocks noGrp="1"/>
+          </p:cNvSpPr>
+          <p:nvPr>
+            <p:ph type="title"/>
+          </p:nvPr>
+        </p:nvSpPr>
+        <p:spPr/>
+        <p:txBody>
+          <a:bodyPr/>
+          <a:lstStyle/>
+          <a:p>
+            <a:pPr algn="l"/>
+            <a:r>
+              <a:rPr lang="en-US" altLang="zh-CN" dirty="0"/>
+              <a:t>F</a:t>
+            </a:r>
+            <a:r>
+              <a:rPr lang="en-US" altLang="zh-CN" dirty="0" smtClean="0"/>
+              <a:t>unction </a:t>
+            </a:r>
+            <a:r>
+              <a:rPr lang="en-US" altLang="zh-CN" dirty="0"/>
+              <a:t>P</a:t>
+            </a:r>
+            <a:r>
+              <a:rPr lang="en-US" altLang="zh-CN" dirty="0" smtClean="0"/>
+              <a:t>rologue</a:t>
+            </a:r>
+            <a:endParaRPr kumimoji="1" lang="zh-CN" altLang="en-US" dirty="0"/>
+          </a:p>
+        </p:txBody>
+      </p:sp>
+      <p:sp>
+        <p:nvSpPr>
+          <p:cNvPr id="4" name="文本框 3"/>
+          <p:cNvSpPr txBox="1"/>
+          <p:nvPr/>
+        </p:nvSpPr>
+        <p:spPr>
+          <a:xfrm>
+            <a:off x="914400" y="1803400"/>
+            <a:ext cx="7721600" cy="3139321"/>
+          </a:xfrm>
+          <a:prstGeom prst="rect">
+            <a:avLst/>
+          </a:prstGeom>
+          <a:noFill/>
+        </p:spPr>
+        <p:txBody>
+          <a:bodyPr wrap="square" rtlCol="0">
+            <a:spAutoFit/>
+          </a:bodyPr>
+          <a:lstStyle/>
+          <a:p>
+            <a:r>
+              <a:rPr lang="en-US" altLang="zh-CN" dirty="0"/>
+              <a:t>crash&gt; dis </a:t>
+            </a:r>
+            <a:r>
+              <a:rPr lang="en-US" altLang="zh-CN" dirty="0" err="1"/>
+              <a:t>cgroup_diput</a:t>
+            </a:r>
+            <a:r>
+              <a:rPr lang="en-US" altLang="zh-CN" dirty="0"/>
+              <a:t> 10</a:t>
+            </a:r>
+          </a:p>
+          <a:p>
+            <a:r>
+              <a:rPr lang="en-US" altLang="zh-CN" dirty="0"/>
+              <a:t>0xffffffff810f91c0 &lt;</a:t>
+            </a:r>
+            <a:r>
+              <a:rPr lang="en-US" altLang="zh-CN" dirty="0" err="1"/>
+              <a:t>cgroup_diput</a:t>
+            </a:r>
+            <a:r>
+              <a:rPr lang="en-US" altLang="zh-CN" dirty="0"/>
+              <a:t>&gt;:      </a:t>
+            </a:r>
+            <a:r>
+              <a:rPr lang="en-US" altLang="zh-CN" dirty="0" err="1"/>
+              <a:t>nopl</a:t>
+            </a:r>
+            <a:r>
+              <a:rPr lang="en-US" altLang="zh-CN" dirty="0"/>
+              <a:t>   0x0(%rax,%rax,1) [FTRACE NOP]</a:t>
+            </a:r>
+          </a:p>
+          <a:p>
+            <a:r>
+              <a:rPr lang="en-US" altLang="zh-CN" dirty="0"/>
+              <a:t>0xffffffff810f91c5 &lt;cgroup_diput+5&gt;:    push   %</a:t>
+            </a:r>
+            <a:r>
+              <a:rPr lang="en-US" altLang="zh-CN" dirty="0" err="1"/>
+              <a:t>rbp</a:t>
+            </a:r>
+            <a:endParaRPr lang="en-US" altLang="zh-CN" dirty="0"/>
+          </a:p>
+          <a:p>
+            <a:r>
+              <a:rPr lang="en-US" altLang="zh-CN" dirty="0"/>
+              <a:t>0xffffffff810f91c6 &lt;cgroup_diput+6&gt;:    </a:t>
+            </a:r>
+            <a:r>
+              <a:rPr lang="en-US" altLang="zh-CN" dirty="0" err="1"/>
+              <a:t>mov</a:t>
+            </a:r>
+            <a:r>
+              <a:rPr lang="en-US" altLang="zh-CN" dirty="0"/>
+              <a:t>    %</a:t>
+            </a:r>
+            <a:r>
+              <a:rPr lang="en-US" altLang="zh-CN" dirty="0" err="1"/>
+              <a:t>rsp</a:t>
+            </a:r>
+            <a:r>
+              <a:rPr lang="en-US" altLang="zh-CN" dirty="0"/>
+              <a:t>,%</a:t>
+            </a:r>
+            <a:r>
+              <a:rPr lang="en-US" altLang="zh-CN" dirty="0" err="1"/>
+              <a:t>rbp</a:t>
+            </a:r>
+            <a:endParaRPr lang="en-US" altLang="zh-CN" dirty="0"/>
+          </a:p>
+          <a:p>
+            <a:r>
+              <a:rPr lang="en-US" altLang="zh-CN" dirty="0"/>
+              <a:t>0xffffffff810f91c9 &lt;cgroup_diput+9&gt;:    push   %r15</a:t>
+            </a:r>
+          </a:p>
+          <a:p>
+            <a:r>
+              <a:rPr lang="en-US" altLang="zh-CN" dirty="0"/>
+              <a:t>0xffffffff810f91cb &lt;cgroup_diput+11&gt;:   </a:t>
+            </a:r>
+            <a:r>
+              <a:rPr lang="en-US" altLang="zh-CN" dirty="0" err="1"/>
+              <a:t>mov</a:t>
+            </a:r>
+            <a:r>
+              <a:rPr lang="en-US" altLang="zh-CN" dirty="0"/>
+              <a:t>    %rsi,%r15</a:t>
+            </a:r>
+          </a:p>
+          <a:p>
+            <a:r>
+              <a:rPr lang="en-US" altLang="zh-CN" dirty="0"/>
+              <a:t>0xffffffff810f91ce &lt;cgroup_diput+14&gt;:   push   %r14</a:t>
+            </a:r>
+          </a:p>
+          <a:p>
+            <a:r>
+              <a:rPr lang="en-US" altLang="zh-CN" dirty="0"/>
+              <a:t>0xffffffff810f91d0 &lt;cgroup_diput+16&gt;:   push   %r13</a:t>
+            </a:r>
+          </a:p>
+          <a:p>
+            <a:r>
+              <a:rPr lang="en-US" altLang="zh-CN" dirty="0"/>
+              <a:t>0xffffffff810f91d2 &lt;cgroup_diput+18&gt;:   push   %r12</a:t>
+            </a:r>
+          </a:p>
+          <a:p>
+            <a:r>
+              <a:rPr lang="en-US" altLang="zh-CN" dirty="0"/>
+              <a:t>0xffffffff810f91d4 &lt;cgroup_diput+20&gt;:   push   %</a:t>
+            </a:r>
+            <a:r>
+              <a:rPr lang="en-US" altLang="zh-CN" dirty="0" err="1"/>
+              <a:t>rbx</a:t>
+            </a:r>
+            <a:endParaRPr lang="en-US" altLang="zh-CN" dirty="0"/>
+          </a:p>
+          <a:p>
+            <a:endParaRPr kumimoji="1" lang="zh-CN" altLang="en-US" dirty="0"/>
+          </a:p>
+        </p:txBody>
+      </p:sp>
+      <p:sp>
+        <p:nvSpPr>
+          <p:cNvPr id="5" name="圆角矩形 4"/>
+          <p:cNvSpPr/>
+          <p:nvPr/>
+        </p:nvSpPr>
+        <p:spPr>
+          <a:xfrm>
+            <a:off x="914400" y="2438400"/>
+            <a:ext cx="6934200" cy="495300"/>
+          </a:xfrm>
+          <a:prstGeom prst="roundRect">
+            <a:avLst/>
+          </a:prstGeom>
+          <a:blipFill dpi="0" rotWithShape="1">
+            <a:blip r:embed="rId2">
+              <a:alphaModFix amt="21000"/>
+              <a:duotone>
+                <a:schemeClr val="accent1">
+                  <a:shade val="30000"/>
+                  <a:satMod val="150000"/>
+                </a:schemeClr>
+                <a:schemeClr val="accent1">
+                  <a:alpha val="10000"/>
+                  <a:satMod val="120000"/>
+                </a:schemeClr>
+              </a:duotone>
+            </a:blip>
+            <a:srcRect/>
+            <a:stretch>
+              <a:fillRect/>
+            </a:stretch>
+          </a:blipFill>
+        </p:spPr>
+        <p:style>
+          <a:lnRef idx="1">
+            <a:schemeClr val="accent1"/>
+          </a:lnRef>
+          <a:fillRef idx="3">
+            <a:schemeClr val="accent1"/>
+          </a:fillRef>
+          <a:effectRef idx="2">
+            <a:schemeClr val="accent1"/>
+          </a:effectRef>
+          <a:fontRef idx="minor">
+            <a:schemeClr val="lt1"/>
+          </a:fontRef>
+        </p:style>
+        <p:txBody>
+          <a:bodyPr rtlCol="0" anchor="ctr"/>
+          <a:lstStyle/>
+          <a:p>
+            <a:pPr algn="ctr"/>
+            <a:endParaRPr kumimoji="1" lang="zh-CN" altLang="en-US"/>
+          </a:p>
+        </p:txBody>
+      </p:sp>
+    </p:spTree>
+    <p:extLst>
+      <p:ext uri="{BB962C8B-B14F-4D97-AF65-F5344CB8AC3E}">
+        <p14:creationId xmlns:p14="http://schemas.microsoft.com/office/powerpoint/2010/main" val="3531086026"/>
+      </p:ext>
+    </p:extLst>
+  </p:cSld>
+  <p:clrMapOvr>
+    <a:masterClrMapping/>
+  </p:clrMapOvr>
+</p:sld>
+</file>
+
+<file path=ppt/slides/slide24.xml><?xml version="1.0" encoding="utf-8"?>
+<p:sld xmlns:a="http://schemas.openxmlformats.org/drawingml/2006/main" xmlns:r="http://schemas.openxmlformats.org/officeDocument/2006/relationships" xmlns:p="http://schemas.openxmlformats.org/presentationml/2006/main">
+  <p:cSld>
+    <p:spTree>
+      <p:nvGrpSpPr>
+        <p:cNvPr id="1" name=""/>
+        <p:cNvGrpSpPr/>
+        <p:nvPr/>
+      </p:nvGrpSpPr>
+      <p:grpSpPr>
+        <a:xfrm>
+          <a:off x="0" y="0"/>
+          <a:ext cx="0" cy="0"/>
+          <a:chOff x="0" y="0"/>
+          <a:chExt cx="0" cy="0"/>
+        </a:xfrm>
+      </p:grpSpPr>
+      <p:sp>
+        <p:nvSpPr>
+          <p:cNvPr id="2" name="标题 1"/>
+          <p:cNvSpPr>
+            <a:spLocks noGrp="1"/>
+          </p:cNvSpPr>
+          <p:nvPr>
+            <p:ph type="title"/>
+          </p:nvPr>
+        </p:nvSpPr>
+        <p:spPr/>
+        <p:txBody>
+          <a:bodyPr/>
+          <a:lstStyle/>
+          <a:p>
+            <a:pPr algn="l"/>
+            <a:r>
+              <a:rPr lang="en-US" altLang="zh-CN" dirty="0"/>
+              <a:t>F</a:t>
+            </a:r>
+            <a:r>
+              <a:rPr lang="en-US" altLang="zh-CN" dirty="0" smtClean="0"/>
+              <a:t>unction </a:t>
+            </a:r>
+            <a:r>
+              <a:rPr lang="en-US" altLang="zh-CN" dirty="0"/>
+              <a:t>Epilogue</a:t>
+            </a:r>
+            <a:endParaRPr kumimoji="1" lang="zh-CN" altLang="en-US" dirty="0"/>
+          </a:p>
+        </p:txBody>
+      </p:sp>
+      <p:sp>
+        <p:nvSpPr>
+          <p:cNvPr id="4" name="文本框 3"/>
+          <p:cNvSpPr txBox="1"/>
+          <p:nvPr/>
+        </p:nvSpPr>
+        <p:spPr>
+          <a:xfrm>
+            <a:off x="914400" y="1803400"/>
+            <a:ext cx="7721600" cy="2585323"/>
+          </a:xfrm>
+          <a:prstGeom prst="rect">
+            <a:avLst/>
+          </a:prstGeom>
+          <a:noFill/>
+        </p:spPr>
+        <p:txBody>
+          <a:bodyPr wrap="square" rtlCol="0">
+            <a:spAutoFit/>
+          </a:bodyPr>
+          <a:lstStyle/>
+          <a:p>
+            <a:r>
+              <a:rPr lang="en-US" altLang="zh-CN" dirty="0">
+                <a:latin typeface="Goudy Old Style"/>
+                <a:cs typeface="Goudy Old Style"/>
+              </a:rPr>
+              <a:t>crash&gt; dis cgroup_diput+144 8</a:t>
+            </a:r>
+          </a:p>
+          <a:p>
+            <a:r>
+              <a:rPr lang="en-US" altLang="zh-CN" dirty="0">
+                <a:latin typeface="Goudy Old Style"/>
+                <a:cs typeface="Goudy Old Style"/>
+              </a:rPr>
+              <a:t>0xffffffff810f9250 &lt;cgroup_diput+144&gt;:  pop    %</a:t>
+            </a:r>
+            <a:r>
+              <a:rPr lang="en-US" altLang="zh-CN" dirty="0" err="1">
+                <a:latin typeface="Goudy Old Style"/>
+                <a:cs typeface="Goudy Old Style"/>
+              </a:rPr>
+              <a:t>rbx</a:t>
+            </a:r>
+            <a:endParaRPr lang="en-US" altLang="zh-CN" dirty="0">
+              <a:latin typeface="Goudy Old Style"/>
+              <a:cs typeface="Goudy Old Style"/>
+            </a:endParaRPr>
+          </a:p>
+          <a:p>
+            <a:r>
+              <a:rPr lang="mr-IN" altLang="zh-CN" dirty="0">
+                <a:latin typeface="Goudy Old Style"/>
+                <a:cs typeface="Goudy Old Style"/>
+              </a:rPr>
+              <a:t>0xffffffff810f9251 &lt;cgroup_diput+145&gt;:  pop    %r12</a:t>
+            </a:r>
+          </a:p>
+          <a:p>
+            <a:r>
+              <a:rPr lang="mr-IN" altLang="zh-CN" dirty="0">
+                <a:latin typeface="Goudy Old Style"/>
+                <a:cs typeface="Goudy Old Style"/>
+              </a:rPr>
+              <a:t>0xffffffff810f9253 &lt;cgroup_diput+147&gt;:  pop    %r13</a:t>
+            </a:r>
+          </a:p>
+          <a:p>
+            <a:r>
+              <a:rPr lang="mr-IN" altLang="zh-CN" dirty="0">
+                <a:latin typeface="Goudy Old Style"/>
+                <a:cs typeface="Goudy Old Style"/>
+              </a:rPr>
+              <a:t>0xffffffff810f9255 &lt;cgroup_diput+149&gt;:  pop    %r14</a:t>
+            </a:r>
+          </a:p>
+          <a:p>
+            <a:r>
+              <a:rPr lang="mr-IN" altLang="zh-CN" dirty="0">
+                <a:latin typeface="Goudy Old Style"/>
+                <a:cs typeface="Goudy Old Style"/>
+              </a:rPr>
+              <a:t>0xffffffff810f9257 &lt;cgroup_diput+151&gt;:  pop    %r15</a:t>
+            </a:r>
+          </a:p>
+          <a:p>
+            <a:r>
+              <a:rPr lang="en-US" altLang="zh-CN" dirty="0">
+                <a:latin typeface="Goudy Old Style"/>
+                <a:cs typeface="Goudy Old Style"/>
+              </a:rPr>
+              <a:t>0xffffffff810f9259 &lt;cgroup_diput+153&gt;:  pop    %</a:t>
+            </a:r>
+            <a:r>
+              <a:rPr lang="en-US" altLang="zh-CN" dirty="0" err="1">
+                <a:latin typeface="Goudy Old Style"/>
+                <a:cs typeface="Goudy Old Style"/>
+              </a:rPr>
+              <a:t>rbp</a:t>
+            </a:r>
+            <a:endParaRPr lang="en-US" altLang="zh-CN" dirty="0">
+              <a:latin typeface="Goudy Old Style"/>
+              <a:cs typeface="Goudy Old Style"/>
+            </a:endParaRPr>
+          </a:p>
+          <a:p>
+            <a:r>
+              <a:rPr lang="en-US" altLang="zh-CN" dirty="0">
+                <a:latin typeface="Goudy Old Style"/>
+                <a:cs typeface="Goudy Old Style"/>
+              </a:rPr>
+              <a:t>0xffffffff810f925a &lt;cgroup_diput+154&gt;:  </a:t>
+            </a:r>
+            <a:r>
+              <a:rPr lang="en-US" altLang="zh-CN" dirty="0" err="1">
+                <a:latin typeface="Goudy Old Style"/>
+                <a:cs typeface="Goudy Old Style"/>
+              </a:rPr>
+              <a:t>retq</a:t>
+            </a:r>
+            <a:r>
+              <a:rPr lang="en-US" altLang="zh-CN" dirty="0">
+                <a:latin typeface="Goudy Old Style"/>
+                <a:cs typeface="Goudy Old Style"/>
+              </a:rPr>
+              <a:t>   </a:t>
+            </a:r>
+          </a:p>
+          <a:p>
+            <a:r>
+              <a:rPr lang="en-US" altLang="zh-CN" dirty="0">
+                <a:latin typeface="Goudy Old Style"/>
+                <a:cs typeface="Goudy Old Style"/>
+              </a:rPr>
+              <a:t>0xffffffff810f925b &lt;cgroup_diput+155&gt;:  </a:t>
+            </a:r>
+            <a:r>
+              <a:rPr lang="en-US" altLang="zh-CN" dirty="0" err="1">
+                <a:latin typeface="Goudy Old Style"/>
+                <a:cs typeface="Goudy Old Style"/>
+              </a:rPr>
+              <a:t>nopl</a:t>
+            </a:r>
+            <a:r>
+              <a:rPr lang="en-US" altLang="zh-CN" dirty="0">
+                <a:latin typeface="Goudy Old Style"/>
+                <a:cs typeface="Goudy Old Style"/>
+              </a:rPr>
+              <a:t>   0x0(%rax,%rax,1)</a:t>
+            </a:r>
+            <a:endParaRPr kumimoji="1" lang="zh-CN" altLang="en-US" dirty="0">
+              <a:latin typeface="Goudy Old Style"/>
+              <a:cs typeface="Goudy Old Style"/>
+            </a:endParaRPr>
+          </a:p>
+        </p:txBody>
+      </p:sp>
+      <p:sp>
+        <p:nvSpPr>
+          <p:cNvPr id="5" name="圆角矩形 4"/>
+          <p:cNvSpPr/>
+          <p:nvPr/>
+        </p:nvSpPr>
+        <p:spPr>
+          <a:xfrm>
+            <a:off x="508000" y="3505200"/>
+            <a:ext cx="6934200" cy="495300"/>
+          </a:xfrm>
+          <a:prstGeom prst="roundRect">
+            <a:avLst/>
+          </a:prstGeom>
+          <a:blipFill dpi="0" rotWithShape="1">
+            <a:blip r:embed="rId2">
+              <a:alphaModFix amt="21000"/>
+              <a:duotone>
+                <a:schemeClr val="accent1">
+                  <a:shade val="30000"/>
+                  <a:satMod val="150000"/>
+                </a:schemeClr>
+                <a:schemeClr val="accent1">
+                  <a:alpha val="10000"/>
+                  <a:satMod val="120000"/>
+                </a:schemeClr>
+              </a:duotone>
+            </a:blip>
+            <a:srcRect/>
+            <a:stretch>
+              <a:fillRect/>
+            </a:stretch>
+          </a:blipFill>
+        </p:spPr>
+        <p:style>
+          <a:lnRef idx="1">
+            <a:schemeClr val="accent1"/>
+          </a:lnRef>
+          <a:fillRef idx="3">
+            <a:schemeClr val="accent1"/>
+          </a:fillRef>
+          <a:effectRef idx="2">
+            <a:schemeClr val="accent1"/>
+          </a:effectRef>
+          <a:fontRef idx="minor">
+            <a:schemeClr val="lt1"/>
+          </a:fontRef>
+        </p:style>
+        <p:txBody>
+          <a:bodyPr rtlCol="0" anchor="ctr"/>
+          <a:lstStyle/>
+          <a:p>
+            <a:pPr algn="ctr"/>
+            <a:endParaRPr kumimoji="1" lang="zh-CN" altLang="en-US"/>
+          </a:p>
+        </p:txBody>
+      </p:sp>
+    </p:spTree>
+    <p:extLst>
+      <p:ext uri="{BB962C8B-B14F-4D97-AF65-F5344CB8AC3E}">
+        <p14:creationId xmlns:p14="http://schemas.microsoft.com/office/powerpoint/2010/main" val="2392980696"/>
+      </p:ext>
+    </p:extLst>
+  </p:cSld>
+  <p:clrMapOvr>
+    <a:masterClrMapping/>
+  </p:clrMapOvr>
+</p:sld>
+</file>
+
+<file path=ppt/slides/slide25.xml><?xml version="1.0" encoding="utf-8"?>
+<p:sld xmlns:a="http://schemas.openxmlformats.org/drawingml/2006/main" xmlns:r="http://schemas.openxmlformats.org/officeDocument/2006/relationships" xmlns:p="http://schemas.openxmlformats.org/presentationml/2006/main">
+  <p:cSld>
+    <p:spTree>
+      <p:nvGrpSpPr>
+        <p:cNvPr id="1" name=""/>
+        <p:cNvGrpSpPr/>
+        <p:nvPr/>
+      </p:nvGrpSpPr>
+      <p:grpSpPr>
+        <a:xfrm>
+          <a:off x="0" y="0"/>
+          <a:ext cx="0" cy="0"/>
+          <a:chOff x="0" y="0"/>
+          <a:chExt cx="0" cy="0"/>
+        </a:xfrm>
+      </p:grpSpPr>
+      <p:sp>
+        <p:nvSpPr>
+          <p:cNvPr id="2" name="标题 1"/>
+          <p:cNvSpPr>
+            <a:spLocks noGrp="1"/>
+          </p:cNvSpPr>
+          <p:nvPr>
+            <p:ph type="title"/>
+          </p:nvPr>
+        </p:nvSpPr>
+        <p:spPr/>
+        <p:txBody>
+          <a:bodyPr/>
+          <a:lstStyle/>
+          <a:p>
+            <a:pPr algn="l"/>
+            <a:r>
+              <a:rPr kumimoji="1" lang="en-US" altLang="zh-CN" dirty="0" smtClean="0"/>
+              <a:t>Arguments and return values</a:t>
+            </a:r>
+            <a:endParaRPr kumimoji="1" lang="zh-CN" altLang="en-US" dirty="0"/>
+          </a:p>
+        </p:txBody>
+      </p:sp>
+      <p:sp>
+        <p:nvSpPr>
+          <p:cNvPr id="3" name="内容占位符 2"/>
+          <p:cNvSpPr>
+            <a:spLocks noGrp="1"/>
+          </p:cNvSpPr>
+          <p:nvPr>
+            <p:ph idx="1"/>
+          </p:nvPr>
+        </p:nvSpPr>
+        <p:spPr/>
+        <p:txBody>
+          <a:bodyPr/>
+          <a:lstStyle/>
+          <a:p>
+            <a:r>
+              <a:rPr kumimoji="1" lang="en-US" altLang="zh-CN" dirty="0" smtClean="0"/>
+              <a:t>Find arguments and return values from registers</a:t>
+            </a:r>
+          </a:p>
+          <a:p>
+            <a:r>
+              <a:rPr kumimoji="1" lang="en-US" altLang="zh-CN" dirty="0" smtClean="0"/>
+              <a:t>Exception Frame saves the context of</a:t>
+            </a:r>
+            <a:r>
+              <a:rPr kumimoji="1" lang="mr-IN" altLang="zh-CN" dirty="0" smtClean="0"/>
+              <a:t>…</a:t>
+            </a:r>
+          </a:p>
+          <a:p>
+            <a:pPr lvl="1"/>
+            <a:r>
+              <a:rPr kumimoji="1" lang="mr-IN" altLang="zh-CN" dirty="0" smtClean="0"/>
+              <a:t>System call</a:t>
+            </a:r>
+          </a:p>
+          <a:p>
+            <a:pPr lvl="1"/>
+            <a:r>
+              <a:rPr kumimoji="1" lang="mr-IN" altLang="zh-CN" dirty="0" smtClean="0"/>
+              <a:t>Panic exceptions</a:t>
+            </a:r>
+            <a:endParaRPr kumimoji="1" lang="en-US" altLang="zh-CN" dirty="0" smtClean="0"/>
+          </a:p>
+          <a:p>
+            <a:r>
+              <a:rPr kumimoji="1" lang="en-US" altLang="zh-CN" dirty="0" err="1" smtClean="0"/>
+              <a:t>bt</a:t>
+            </a:r>
+            <a:r>
+              <a:rPr kumimoji="1" lang="en-US" altLang="zh-CN" dirty="0" smtClean="0"/>
+              <a:t> </a:t>
+            </a:r>
+            <a:r>
+              <a:rPr kumimoji="1" lang="mr-IN" altLang="zh-CN" dirty="0" smtClean="0"/>
+              <a:t>–</a:t>
+            </a:r>
+            <a:r>
+              <a:rPr kumimoji="1" lang="en-US" altLang="zh-CN" dirty="0" smtClean="0"/>
+              <a:t>e</a:t>
+            </a:r>
+          </a:p>
+          <a:p>
+            <a:pPr marL="0" indent="0">
+              <a:buNone/>
+            </a:pPr>
+            <a:endParaRPr kumimoji="1" lang="zh-CN" altLang="en-US" dirty="0"/>
+          </a:p>
+        </p:txBody>
+      </p:sp>
+      <p:pic>
+        <p:nvPicPr>
+          <p:cNvPr id="4" name="图片 3" descr="屏幕快照 2017-07-20 上午12.06.24.png"/>
+          <p:cNvPicPr>
+            <a:picLocks noChangeAspect="1"/>
+          </p:cNvPicPr>
+          <p:nvPr/>
+        </p:nvPicPr>
+        <p:blipFill>
+          <a:blip r:embed="rId2">
+            <a:extLst>
+              <a:ext uri="{28A0092B-C50C-407E-A947-70E740481C1C}">
+                <a14:useLocalDpi xmlns:a14="http://schemas.microsoft.com/office/drawing/2010/main" val="0"/>
+              </a:ext>
+            </a:extLst>
+          </a:blip>
+          <a:stretch>
+            <a:fillRect/>
+          </a:stretch>
+        </p:blipFill>
+        <p:spPr>
+          <a:xfrm>
+            <a:off x="1295400" y="4457700"/>
+            <a:ext cx="6426200" cy="2171700"/>
+          </a:xfrm>
+          <a:prstGeom prst="rect">
+            <a:avLst/>
+          </a:prstGeom>
+        </p:spPr>
+      </p:pic>
+      <p:sp>
+        <p:nvSpPr>
+          <p:cNvPr id="5" name="圆角矩形 4"/>
+          <p:cNvSpPr/>
+          <p:nvPr/>
+        </p:nvSpPr>
+        <p:spPr>
+          <a:xfrm>
+            <a:off x="5689600" y="5664200"/>
+            <a:ext cx="2032000" cy="215900"/>
+          </a:xfrm>
+          <a:prstGeom prst="roundRect">
+            <a:avLst/>
+          </a:prstGeom>
+          <a:blipFill dpi="0" rotWithShape="1">
+            <a:blip r:embed="rId3">
+              <a:alphaModFix amt="36000"/>
+              <a:duotone>
+                <a:schemeClr val="accent1">
+                  <a:shade val="30000"/>
+                  <a:satMod val="150000"/>
+                </a:schemeClr>
+                <a:schemeClr val="accent1">
+                  <a:alpha val="10000"/>
+                  <a:satMod val="120000"/>
+                </a:schemeClr>
+              </a:duotone>
+            </a:blip>
+            <a:srcRect/>
+            <a:stretch>
+              <a:fillRect/>
+            </a:stretch>
+          </a:blipFill>
+        </p:spPr>
+        <p:style>
+          <a:lnRef idx="1">
+            <a:schemeClr val="accent1"/>
+          </a:lnRef>
+          <a:fillRef idx="3">
+            <a:schemeClr val="accent1"/>
+          </a:fillRef>
+          <a:effectRef idx="2">
+            <a:schemeClr val="accent1"/>
+          </a:effectRef>
+          <a:fontRef idx="minor">
+            <a:schemeClr val="lt1"/>
+          </a:fontRef>
+        </p:style>
+        <p:txBody>
+          <a:bodyPr rtlCol="0" anchor="ctr"/>
+          <a:lstStyle/>
+          <a:p>
+            <a:pPr algn="ctr"/>
+            <a:endParaRPr kumimoji="1" lang="zh-CN" altLang="en-US"/>
+          </a:p>
+        </p:txBody>
+      </p:sp>
+      <p:sp>
+        <p:nvSpPr>
+          <p:cNvPr id="6" name="圆角矩形 5"/>
+          <p:cNvSpPr/>
+          <p:nvPr/>
+        </p:nvSpPr>
+        <p:spPr>
+          <a:xfrm>
+            <a:off x="1384300" y="4889500"/>
+            <a:ext cx="2603500" cy="279400"/>
+          </a:xfrm>
+          <a:prstGeom prst="roundRect">
+            <a:avLst/>
+          </a:prstGeom>
+          <a:blipFill dpi="0" rotWithShape="1">
+            <a:blip r:embed="rId3">
+              <a:alphaModFix amt="27000"/>
+              <a:duotone>
+                <a:schemeClr val="accent1">
+                  <a:shade val="30000"/>
+                  <a:satMod val="150000"/>
+                </a:schemeClr>
+                <a:schemeClr val="accent1">
+                  <a:alpha val="10000"/>
+                  <a:satMod val="120000"/>
+                </a:schemeClr>
+              </a:duotone>
+            </a:blip>
+            <a:srcRect/>
+            <a:stretch>
+              <a:fillRect/>
+            </a:stretch>
+          </a:blipFill>
+        </p:spPr>
+        <p:style>
+          <a:lnRef idx="1">
+            <a:schemeClr val="accent1"/>
+          </a:lnRef>
+          <a:fillRef idx="3">
+            <a:schemeClr val="accent1"/>
+          </a:fillRef>
+          <a:effectRef idx="2">
+            <a:schemeClr val="accent1"/>
+          </a:effectRef>
+          <a:fontRef idx="minor">
+            <a:schemeClr val="lt1"/>
+          </a:fontRef>
+        </p:style>
+        <p:txBody>
+          <a:bodyPr rtlCol="0" anchor="ctr"/>
+          <a:lstStyle/>
+          <a:p>
+            <a:pPr algn="ctr"/>
+            <a:endParaRPr kumimoji="1" lang="zh-CN" altLang="en-US"/>
+          </a:p>
+        </p:txBody>
+      </p:sp>
+    </p:spTree>
+    <p:extLst>
+      <p:ext uri="{BB962C8B-B14F-4D97-AF65-F5344CB8AC3E}">
+        <p14:creationId xmlns:p14="http://schemas.microsoft.com/office/powerpoint/2010/main" val="2927875636"/>
+      </p:ext>
+    </p:extLst>
+  </p:cSld>
+  <p:clrMapOvr>
+    <a:masterClrMapping/>
+  </p:clrMapOvr>
+</p:sld>
+</file>
+
+<file path=ppt/slides/slide26.xml><?xml version="1.0" encoding="utf-8"?>
 <p:sld xmlns:a="http://schemas.openxmlformats.org/drawingml/2006/main" xmlns:r="http://schemas.openxmlformats.org/officeDocument/2006/relationships" xmlns:p="http://schemas.openxmlformats.org/presentationml/2006/main">
   <p:cSld>
     <p:spTree>
@@ -13345,1071 +14402,6 @@
 </p:sld>
 </file>
 
-<file path=ppt/slides/slide22.xml><?xml version="1.0" encoding="utf-8"?>
-<p:sld xmlns:a="http://schemas.openxmlformats.org/drawingml/2006/main" xmlns:r="http://schemas.openxmlformats.org/officeDocument/2006/relationships" xmlns:p="http://schemas.openxmlformats.org/presentationml/2006/main">
-  <p:cSld>
-    <p:spTree>
-      <p:nvGrpSpPr>
-        <p:cNvPr id="1" name=""/>
-        <p:cNvGrpSpPr/>
-        <p:nvPr/>
-      </p:nvGrpSpPr>
-      <p:grpSpPr>
-        <a:xfrm>
-          <a:off x="0" y="0"/>
-          <a:ext cx="0" cy="0"/>
-          <a:chOff x="0" y="0"/>
-          <a:chExt cx="0" cy="0"/>
-        </a:xfrm>
-      </p:grpSpPr>
-      <p:sp>
-        <p:nvSpPr>
-          <p:cNvPr id="2" name="标题 1"/>
-          <p:cNvSpPr>
-            <a:spLocks noGrp="1"/>
-          </p:cNvSpPr>
-          <p:nvPr>
-            <p:ph type="title"/>
-          </p:nvPr>
-        </p:nvSpPr>
-        <p:spPr/>
-        <p:txBody>
-          <a:bodyPr/>
-          <a:lstStyle/>
-          <a:p>
-            <a:pPr algn="l"/>
-            <a:r>
-              <a:rPr kumimoji="1" lang="en-US" altLang="zh-CN" dirty="0"/>
-              <a:t>x</a:t>
-            </a:r>
-            <a:r>
-              <a:rPr kumimoji="1" lang="en-US" altLang="zh-CN" dirty="0" smtClean="0"/>
-              <a:t>64 Stack Frame</a:t>
-            </a:r>
-            <a:endParaRPr kumimoji="1" lang="zh-CN" altLang="en-US" dirty="0"/>
-          </a:p>
-        </p:txBody>
-      </p:sp>
-      <p:pic>
-        <p:nvPicPr>
-          <p:cNvPr id="6" name="内容占位符 5" descr="屏幕快照 2017-07-19 下午11.36.26.png"/>
-          <p:cNvPicPr>
-            <a:picLocks noGrp="1" noChangeAspect="1"/>
-          </p:cNvPicPr>
-          <p:nvPr>
-            <p:ph idx="1"/>
-          </p:nvPr>
-        </p:nvPicPr>
-        <p:blipFill>
-          <a:blip r:embed="rId2">
-            <a:extLst>
-              <a:ext uri="{28A0092B-C50C-407E-A947-70E740481C1C}">
-                <a14:useLocalDpi xmlns:a14="http://schemas.microsoft.com/office/drawing/2010/main" val="0"/>
-              </a:ext>
-            </a:extLst>
-          </a:blip>
-          <a:srcRect t="-7256" b="-7256"/>
-          <a:stretch>
-            <a:fillRect/>
-          </a:stretch>
-        </p:blipFill>
-        <p:spPr/>
-      </p:pic>
-      <p:sp>
-        <p:nvSpPr>
-          <p:cNvPr id="7" name="圆角矩形 6"/>
-          <p:cNvSpPr/>
-          <p:nvPr/>
-        </p:nvSpPr>
-        <p:spPr>
-          <a:xfrm>
-            <a:off x="914400" y="4076700"/>
-            <a:ext cx="7313613" cy="1041400"/>
-          </a:xfrm>
-          <a:prstGeom prst="roundRect">
-            <a:avLst/>
-          </a:prstGeom>
-          <a:blipFill dpi="0" rotWithShape="1">
-            <a:blip r:embed="rId3">
-              <a:alphaModFix amt="25000"/>
-              <a:duotone>
-                <a:schemeClr val="accent1">
-                  <a:shade val="30000"/>
-                  <a:satMod val="150000"/>
-                </a:schemeClr>
-                <a:schemeClr val="accent1">
-                  <a:alpha val="10000"/>
-                  <a:satMod val="120000"/>
-                </a:schemeClr>
-              </a:duotone>
-            </a:blip>
-            <a:srcRect/>
-            <a:stretch>
-              <a:fillRect/>
-            </a:stretch>
-          </a:blipFill>
-        </p:spPr>
-        <p:style>
-          <a:lnRef idx="1">
-            <a:schemeClr val="accent1"/>
-          </a:lnRef>
-          <a:fillRef idx="3">
-            <a:schemeClr val="accent1"/>
-          </a:fillRef>
-          <a:effectRef idx="2">
-            <a:schemeClr val="accent1"/>
-          </a:effectRef>
-          <a:fontRef idx="minor">
-            <a:schemeClr val="lt1"/>
-          </a:fontRef>
-        </p:style>
-        <p:txBody>
-          <a:bodyPr rtlCol="0" anchor="ctr"/>
-          <a:lstStyle/>
-          <a:p>
-            <a:pPr algn="ctr"/>
-            <a:r>
-              <a:rPr kumimoji="1" lang="en-US" altLang="zh-CN" dirty="0" smtClean="0"/>
-              <a:t>                                                                       </a:t>
-            </a:r>
-            <a:r>
-              <a:rPr kumimoji="1" lang="en-US" altLang="zh-CN" dirty="0" smtClean="0">
-                <a:solidFill>
-                  <a:srgbClr val="FF0000"/>
-                </a:solidFill>
-              </a:rPr>
-              <a:t>Local Variable</a:t>
-            </a:r>
-            <a:endParaRPr kumimoji="1" lang="zh-CN" altLang="en-US" dirty="0">
-              <a:solidFill>
-                <a:srgbClr val="FF0000"/>
-              </a:solidFill>
-            </a:endParaRPr>
-          </a:p>
-        </p:txBody>
-      </p:sp>
-    </p:spTree>
-    <p:extLst>
-      <p:ext uri="{BB962C8B-B14F-4D97-AF65-F5344CB8AC3E}">
-        <p14:creationId xmlns:p14="http://schemas.microsoft.com/office/powerpoint/2010/main" val="2363056805"/>
-      </p:ext>
-    </p:extLst>
-  </p:cSld>
-  <p:clrMapOvr>
-    <a:masterClrMapping/>
-  </p:clrMapOvr>
-</p:sld>
-</file>
-
-<file path=ppt/slides/slide23.xml><?xml version="1.0" encoding="utf-8"?>
-<p:sld xmlns:a="http://schemas.openxmlformats.org/drawingml/2006/main" xmlns:r="http://schemas.openxmlformats.org/officeDocument/2006/relationships" xmlns:p="http://schemas.openxmlformats.org/presentationml/2006/main">
-  <p:cSld>
-    <p:spTree>
-      <p:nvGrpSpPr>
-        <p:cNvPr id="1" name=""/>
-        <p:cNvGrpSpPr/>
-        <p:nvPr/>
-      </p:nvGrpSpPr>
-      <p:grpSpPr>
-        <a:xfrm>
-          <a:off x="0" y="0"/>
-          <a:ext cx="0" cy="0"/>
-          <a:chOff x="0" y="0"/>
-          <a:chExt cx="0" cy="0"/>
-        </a:xfrm>
-      </p:grpSpPr>
-      <p:sp>
-        <p:nvSpPr>
-          <p:cNvPr id="2" name="标题 1"/>
-          <p:cNvSpPr>
-            <a:spLocks noGrp="1"/>
-          </p:cNvSpPr>
-          <p:nvPr>
-            <p:ph type="title"/>
-          </p:nvPr>
-        </p:nvSpPr>
-        <p:spPr/>
-        <p:txBody>
-          <a:bodyPr/>
-          <a:lstStyle/>
-          <a:p>
-            <a:pPr algn="l"/>
-            <a:r>
-              <a:rPr lang="en-US" altLang="zh-CN" dirty="0"/>
-              <a:t>F</a:t>
-            </a:r>
-            <a:r>
-              <a:rPr lang="en-US" altLang="zh-CN" dirty="0" smtClean="0"/>
-              <a:t>unction </a:t>
-            </a:r>
-            <a:r>
-              <a:rPr lang="en-US" altLang="zh-CN" dirty="0"/>
-              <a:t>P</a:t>
-            </a:r>
-            <a:r>
-              <a:rPr lang="en-US" altLang="zh-CN" dirty="0" smtClean="0"/>
-              <a:t>rologue</a:t>
-            </a:r>
-            <a:endParaRPr kumimoji="1" lang="zh-CN" altLang="en-US" dirty="0"/>
-          </a:p>
-        </p:txBody>
-      </p:sp>
-      <p:sp>
-        <p:nvSpPr>
-          <p:cNvPr id="4" name="文本框 3"/>
-          <p:cNvSpPr txBox="1"/>
-          <p:nvPr/>
-        </p:nvSpPr>
-        <p:spPr>
-          <a:xfrm>
-            <a:off x="914400" y="1803400"/>
-            <a:ext cx="7721600" cy="3139321"/>
-          </a:xfrm>
-          <a:prstGeom prst="rect">
-            <a:avLst/>
-          </a:prstGeom>
-          <a:noFill/>
-        </p:spPr>
-        <p:txBody>
-          <a:bodyPr wrap="square" rtlCol="0">
-            <a:spAutoFit/>
-          </a:bodyPr>
-          <a:lstStyle/>
-          <a:p>
-            <a:r>
-              <a:rPr lang="en-US" altLang="zh-CN" dirty="0"/>
-              <a:t>crash&gt; dis </a:t>
-            </a:r>
-            <a:r>
-              <a:rPr lang="en-US" altLang="zh-CN" dirty="0" err="1"/>
-              <a:t>cgroup_diput</a:t>
-            </a:r>
-            <a:r>
-              <a:rPr lang="en-US" altLang="zh-CN" dirty="0"/>
-              <a:t> 10</a:t>
-            </a:r>
-          </a:p>
-          <a:p>
-            <a:r>
-              <a:rPr lang="en-US" altLang="zh-CN" dirty="0"/>
-              <a:t>0xffffffff810f91c0 &lt;</a:t>
-            </a:r>
-            <a:r>
-              <a:rPr lang="en-US" altLang="zh-CN" dirty="0" err="1"/>
-              <a:t>cgroup_diput</a:t>
-            </a:r>
-            <a:r>
-              <a:rPr lang="en-US" altLang="zh-CN" dirty="0"/>
-              <a:t>&gt;:      </a:t>
-            </a:r>
-            <a:r>
-              <a:rPr lang="en-US" altLang="zh-CN" dirty="0" err="1"/>
-              <a:t>nopl</a:t>
-            </a:r>
-            <a:r>
-              <a:rPr lang="en-US" altLang="zh-CN" dirty="0"/>
-              <a:t>   0x0(%rax,%rax,1) [FTRACE NOP]</a:t>
-            </a:r>
-          </a:p>
-          <a:p>
-            <a:r>
-              <a:rPr lang="en-US" altLang="zh-CN" dirty="0"/>
-              <a:t>0xffffffff810f91c5 &lt;cgroup_diput+5&gt;:    push   %</a:t>
-            </a:r>
-            <a:r>
-              <a:rPr lang="en-US" altLang="zh-CN" dirty="0" err="1"/>
-              <a:t>rbp</a:t>
-            </a:r>
-            <a:endParaRPr lang="en-US" altLang="zh-CN" dirty="0"/>
-          </a:p>
-          <a:p>
-            <a:r>
-              <a:rPr lang="en-US" altLang="zh-CN" dirty="0"/>
-              <a:t>0xffffffff810f91c6 &lt;cgroup_diput+6&gt;:    </a:t>
-            </a:r>
-            <a:r>
-              <a:rPr lang="en-US" altLang="zh-CN" dirty="0" err="1"/>
-              <a:t>mov</a:t>
-            </a:r>
-            <a:r>
-              <a:rPr lang="en-US" altLang="zh-CN" dirty="0"/>
-              <a:t>    %</a:t>
-            </a:r>
-            <a:r>
-              <a:rPr lang="en-US" altLang="zh-CN" dirty="0" err="1"/>
-              <a:t>rsp</a:t>
-            </a:r>
-            <a:r>
-              <a:rPr lang="en-US" altLang="zh-CN" dirty="0"/>
-              <a:t>,%</a:t>
-            </a:r>
-            <a:r>
-              <a:rPr lang="en-US" altLang="zh-CN" dirty="0" err="1"/>
-              <a:t>rbp</a:t>
-            </a:r>
-            <a:endParaRPr lang="en-US" altLang="zh-CN" dirty="0"/>
-          </a:p>
-          <a:p>
-            <a:r>
-              <a:rPr lang="en-US" altLang="zh-CN" dirty="0"/>
-              <a:t>0xffffffff810f91c9 &lt;cgroup_diput+9&gt;:    push   %r15</a:t>
-            </a:r>
-          </a:p>
-          <a:p>
-            <a:r>
-              <a:rPr lang="en-US" altLang="zh-CN" dirty="0"/>
-              <a:t>0xffffffff810f91cb &lt;cgroup_diput+11&gt;:   </a:t>
-            </a:r>
-            <a:r>
-              <a:rPr lang="en-US" altLang="zh-CN" dirty="0" err="1"/>
-              <a:t>mov</a:t>
-            </a:r>
-            <a:r>
-              <a:rPr lang="en-US" altLang="zh-CN" dirty="0"/>
-              <a:t>    %rsi,%r15</a:t>
-            </a:r>
-          </a:p>
-          <a:p>
-            <a:r>
-              <a:rPr lang="en-US" altLang="zh-CN" dirty="0"/>
-              <a:t>0xffffffff810f91ce &lt;cgroup_diput+14&gt;:   push   %r14</a:t>
-            </a:r>
-          </a:p>
-          <a:p>
-            <a:r>
-              <a:rPr lang="en-US" altLang="zh-CN" dirty="0"/>
-              <a:t>0xffffffff810f91d0 &lt;cgroup_diput+16&gt;:   push   %r13</a:t>
-            </a:r>
-          </a:p>
-          <a:p>
-            <a:r>
-              <a:rPr lang="en-US" altLang="zh-CN" dirty="0"/>
-              <a:t>0xffffffff810f91d2 &lt;cgroup_diput+18&gt;:   push   %r12</a:t>
-            </a:r>
-          </a:p>
-          <a:p>
-            <a:r>
-              <a:rPr lang="en-US" altLang="zh-CN" dirty="0"/>
-              <a:t>0xffffffff810f91d4 &lt;cgroup_diput+20&gt;:   push   %</a:t>
-            </a:r>
-            <a:r>
-              <a:rPr lang="en-US" altLang="zh-CN" dirty="0" err="1"/>
-              <a:t>rbx</a:t>
-            </a:r>
-            <a:endParaRPr lang="en-US" altLang="zh-CN" dirty="0"/>
-          </a:p>
-          <a:p>
-            <a:endParaRPr kumimoji="1" lang="zh-CN" altLang="en-US" dirty="0"/>
-          </a:p>
-        </p:txBody>
-      </p:sp>
-      <p:sp>
-        <p:nvSpPr>
-          <p:cNvPr id="5" name="圆角矩形 4"/>
-          <p:cNvSpPr/>
-          <p:nvPr/>
-        </p:nvSpPr>
-        <p:spPr>
-          <a:xfrm>
-            <a:off x="914400" y="2438400"/>
-            <a:ext cx="6934200" cy="495300"/>
-          </a:xfrm>
-          <a:prstGeom prst="roundRect">
-            <a:avLst/>
-          </a:prstGeom>
-          <a:blipFill dpi="0" rotWithShape="1">
-            <a:blip r:embed="rId2">
-              <a:alphaModFix amt="21000"/>
-              <a:duotone>
-                <a:schemeClr val="accent1">
-                  <a:shade val="30000"/>
-                  <a:satMod val="150000"/>
-                </a:schemeClr>
-                <a:schemeClr val="accent1">
-                  <a:alpha val="10000"/>
-                  <a:satMod val="120000"/>
-                </a:schemeClr>
-              </a:duotone>
-            </a:blip>
-            <a:srcRect/>
-            <a:stretch>
-              <a:fillRect/>
-            </a:stretch>
-          </a:blipFill>
-        </p:spPr>
-        <p:style>
-          <a:lnRef idx="1">
-            <a:schemeClr val="accent1"/>
-          </a:lnRef>
-          <a:fillRef idx="3">
-            <a:schemeClr val="accent1"/>
-          </a:fillRef>
-          <a:effectRef idx="2">
-            <a:schemeClr val="accent1"/>
-          </a:effectRef>
-          <a:fontRef idx="minor">
-            <a:schemeClr val="lt1"/>
-          </a:fontRef>
-        </p:style>
-        <p:txBody>
-          <a:bodyPr rtlCol="0" anchor="ctr"/>
-          <a:lstStyle/>
-          <a:p>
-            <a:pPr algn="ctr"/>
-            <a:endParaRPr kumimoji="1" lang="zh-CN" altLang="en-US"/>
-          </a:p>
-        </p:txBody>
-      </p:sp>
-    </p:spTree>
-    <p:extLst>
-      <p:ext uri="{BB962C8B-B14F-4D97-AF65-F5344CB8AC3E}">
-        <p14:creationId xmlns:p14="http://schemas.microsoft.com/office/powerpoint/2010/main" val="3531086026"/>
-      </p:ext>
-    </p:extLst>
-  </p:cSld>
-  <p:clrMapOvr>
-    <a:masterClrMapping/>
-  </p:clrMapOvr>
-</p:sld>
-</file>
-
-<file path=ppt/slides/slide24.xml><?xml version="1.0" encoding="utf-8"?>
-<p:sld xmlns:a="http://schemas.openxmlformats.org/drawingml/2006/main" xmlns:r="http://schemas.openxmlformats.org/officeDocument/2006/relationships" xmlns:p="http://schemas.openxmlformats.org/presentationml/2006/main">
-  <p:cSld>
-    <p:spTree>
-      <p:nvGrpSpPr>
-        <p:cNvPr id="1" name=""/>
-        <p:cNvGrpSpPr/>
-        <p:nvPr/>
-      </p:nvGrpSpPr>
-      <p:grpSpPr>
-        <a:xfrm>
-          <a:off x="0" y="0"/>
-          <a:ext cx="0" cy="0"/>
-          <a:chOff x="0" y="0"/>
-          <a:chExt cx="0" cy="0"/>
-        </a:xfrm>
-      </p:grpSpPr>
-      <p:sp>
-        <p:nvSpPr>
-          <p:cNvPr id="2" name="标题 1"/>
-          <p:cNvSpPr>
-            <a:spLocks noGrp="1"/>
-          </p:cNvSpPr>
-          <p:nvPr>
-            <p:ph type="title"/>
-          </p:nvPr>
-        </p:nvSpPr>
-        <p:spPr/>
-        <p:txBody>
-          <a:bodyPr/>
-          <a:lstStyle/>
-          <a:p>
-            <a:pPr algn="l"/>
-            <a:r>
-              <a:rPr lang="en-US" altLang="zh-CN" dirty="0"/>
-              <a:t>F</a:t>
-            </a:r>
-            <a:r>
-              <a:rPr lang="en-US" altLang="zh-CN" dirty="0" smtClean="0"/>
-              <a:t>unction </a:t>
-            </a:r>
-            <a:r>
-              <a:rPr lang="en-US" altLang="zh-CN" dirty="0"/>
-              <a:t>Epilogue</a:t>
-            </a:r>
-            <a:endParaRPr kumimoji="1" lang="zh-CN" altLang="en-US" dirty="0"/>
-          </a:p>
-        </p:txBody>
-      </p:sp>
-      <p:sp>
-        <p:nvSpPr>
-          <p:cNvPr id="4" name="文本框 3"/>
-          <p:cNvSpPr txBox="1"/>
-          <p:nvPr/>
-        </p:nvSpPr>
-        <p:spPr>
-          <a:xfrm>
-            <a:off x="914400" y="1803400"/>
-            <a:ext cx="7721600" cy="2585323"/>
-          </a:xfrm>
-          <a:prstGeom prst="rect">
-            <a:avLst/>
-          </a:prstGeom>
-          <a:noFill/>
-        </p:spPr>
-        <p:txBody>
-          <a:bodyPr wrap="square" rtlCol="0">
-            <a:spAutoFit/>
-          </a:bodyPr>
-          <a:lstStyle/>
-          <a:p>
-            <a:r>
-              <a:rPr lang="en-US" altLang="zh-CN" dirty="0">
-                <a:latin typeface="Goudy Old Style"/>
-                <a:cs typeface="Goudy Old Style"/>
-              </a:rPr>
-              <a:t>crash&gt; dis cgroup_diput+144 8</a:t>
-            </a:r>
-          </a:p>
-          <a:p>
-            <a:r>
-              <a:rPr lang="en-US" altLang="zh-CN" dirty="0">
-                <a:latin typeface="Goudy Old Style"/>
-                <a:cs typeface="Goudy Old Style"/>
-              </a:rPr>
-              <a:t>0xffffffff810f9250 &lt;cgroup_diput+144&gt;:  pop    %</a:t>
-            </a:r>
-            <a:r>
-              <a:rPr lang="en-US" altLang="zh-CN" dirty="0" err="1">
-                <a:latin typeface="Goudy Old Style"/>
-                <a:cs typeface="Goudy Old Style"/>
-              </a:rPr>
-              <a:t>rbx</a:t>
-            </a:r>
-            <a:endParaRPr lang="en-US" altLang="zh-CN" dirty="0">
-              <a:latin typeface="Goudy Old Style"/>
-              <a:cs typeface="Goudy Old Style"/>
-            </a:endParaRPr>
-          </a:p>
-          <a:p>
-            <a:r>
-              <a:rPr lang="mr-IN" altLang="zh-CN" dirty="0">
-                <a:latin typeface="Goudy Old Style"/>
-                <a:cs typeface="Goudy Old Style"/>
-              </a:rPr>
-              <a:t>0xffffffff810f9251 &lt;cgroup_diput+145&gt;:  pop    %r12</a:t>
-            </a:r>
-          </a:p>
-          <a:p>
-            <a:r>
-              <a:rPr lang="mr-IN" altLang="zh-CN" dirty="0">
-                <a:latin typeface="Goudy Old Style"/>
-                <a:cs typeface="Goudy Old Style"/>
-              </a:rPr>
-              <a:t>0xffffffff810f9253 &lt;cgroup_diput+147&gt;:  pop    %r13</a:t>
-            </a:r>
-          </a:p>
-          <a:p>
-            <a:r>
-              <a:rPr lang="mr-IN" altLang="zh-CN" dirty="0">
-                <a:latin typeface="Goudy Old Style"/>
-                <a:cs typeface="Goudy Old Style"/>
-              </a:rPr>
-              <a:t>0xffffffff810f9255 &lt;cgroup_diput+149&gt;:  pop    %r14</a:t>
-            </a:r>
-          </a:p>
-          <a:p>
-            <a:r>
-              <a:rPr lang="mr-IN" altLang="zh-CN" dirty="0">
-                <a:latin typeface="Goudy Old Style"/>
-                <a:cs typeface="Goudy Old Style"/>
-              </a:rPr>
-              <a:t>0xffffffff810f9257 &lt;cgroup_diput+151&gt;:  pop    %r15</a:t>
-            </a:r>
-          </a:p>
-          <a:p>
-            <a:r>
-              <a:rPr lang="en-US" altLang="zh-CN" dirty="0">
-                <a:latin typeface="Goudy Old Style"/>
-                <a:cs typeface="Goudy Old Style"/>
-              </a:rPr>
-              <a:t>0xffffffff810f9259 &lt;cgroup_diput+153&gt;:  pop    %</a:t>
-            </a:r>
-            <a:r>
-              <a:rPr lang="en-US" altLang="zh-CN" dirty="0" err="1">
-                <a:latin typeface="Goudy Old Style"/>
-                <a:cs typeface="Goudy Old Style"/>
-              </a:rPr>
-              <a:t>rbp</a:t>
-            </a:r>
-            <a:endParaRPr lang="en-US" altLang="zh-CN" dirty="0">
-              <a:latin typeface="Goudy Old Style"/>
-              <a:cs typeface="Goudy Old Style"/>
-            </a:endParaRPr>
-          </a:p>
-          <a:p>
-            <a:r>
-              <a:rPr lang="en-US" altLang="zh-CN" dirty="0">
-                <a:latin typeface="Goudy Old Style"/>
-                <a:cs typeface="Goudy Old Style"/>
-              </a:rPr>
-              <a:t>0xffffffff810f925a &lt;cgroup_diput+154&gt;:  </a:t>
-            </a:r>
-            <a:r>
-              <a:rPr lang="en-US" altLang="zh-CN" dirty="0" err="1">
-                <a:latin typeface="Goudy Old Style"/>
-                <a:cs typeface="Goudy Old Style"/>
-              </a:rPr>
-              <a:t>retq</a:t>
-            </a:r>
-            <a:r>
-              <a:rPr lang="en-US" altLang="zh-CN" dirty="0">
-                <a:latin typeface="Goudy Old Style"/>
-                <a:cs typeface="Goudy Old Style"/>
-              </a:rPr>
-              <a:t>   </a:t>
-            </a:r>
-          </a:p>
-          <a:p>
-            <a:r>
-              <a:rPr lang="en-US" altLang="zh-CN" dirty="0">
-                <a:latin typeface="Goudy Old Style"/>
-                <a:cs typeface="Goudy Old Style"/>
-              </a:rPr>
-              <a:t>0xffffffff810f925b &lt;cgroup_diput+155&gt;:  </a:t>
-            </a:r>
-            <a:r>
-              <a:rPr lang="en-US" altLang="zh-CN" dirty="0" err="1">
-                <a:latin typeface="Goudy Old Style"/>
-                <a:cs typeface="Goudy Old Style"/>
-              </a:rPr>
-              <a:t>nopl</a:t>
-            </a:r>
-            <a:r>
-              <a:rPr lang="en-US" altLang="zh-CN" dirty="0">
-                <a:latin typeface="Goudy Old Style"/>
-                <a:cs typeface="Goudy Old Style"/>
-              </a:rPr>
-              <a:t>   0x0(%rax,%rax,1)</a:t>
-            </a:r>
-            <a:endParaRPr kumimoji="1" lang="zh-CN" altLang="en-US" dirty="0">
-              <a:latin typeface="Goudy Old Style"/>
-              <a:cs typeface="Goudy Old Style"/>
-            </a:endParaRPr>
-          </a:p>
-        </p:txBody>
-      </p:sp>
-      <p:sp>
-        <p:nvSpPr>
-          <p:cNvPr id="5" name="圆角矩形 4"/>
-          <p:cNvSpPr/>
-          <p:nvPr/>
-        </p:nvSpPr>
-        <p:spPr>
-          <a:xfrm>
-            <a:off x="508000" y="3505200"/>
-            <a:ext cx="6934200" cy="495300"/>
-          </a:xfrm>
-          <a:prstGeom prst="roundRect">
-            <a:avLst/>
-          </a:prstGeom>
-          <a:blipFill dpi="0" rotWithShape="1">
-            <a:blip r:embed="rId2">
-              <a:alphaModFix amt="21000"/>
-              <a:duotone>
-                <a:schemeClr val="accent1">
-                  <a:shade val="30000"/>
-                  <a:satMod val="150000"/>
-                </a:schemeClr>
-                <a:schemeClr val="accent1">
-                  <a:alpha val="10000"/>
-                  <a:satMod val="120000"/>
-                </a:schemeClr>
-              </a:duotone>
-            </a:blip>
-            <a:srcRect/>
-            <a:stretch>
-              <a:fillRect/>
-            </a:stretch>
-          </a:blipFill>
-        </p:spPr>
-        <p:style>
-          <a:lnRef idx="1">
-            <a:schemeClr val="accent1"/>
-          </a:lnRef>
-          <a:fillRef idx="3">
-            <a:schemeClr val="accent1"/>
-          </a:fillRef>
-          <a:effectRef idx="2">
-            <a:schemeClr val="accent1"/>
-          </a:effectRef>
-          <a:fontRef idx="minor">
-            <a:schemeClr val="lt1"/>
-          </a:fontRef>
-        </p:style>
-        <p:txBody>
-          <a:bodyPr rtlCol="0" anchor="ctr"/>
-          <a:lstStyle/>
-          <a:p>
-            <a:pPr algn="ctr"/>
-            <a:endParaRPr kumimoji="1" lang="zh-CN" altLang="en-US"/>
-          </a:p>
-        </p:txBody>
-      </p:sp>
-    </p:spTree>
-    <p:extLst>
-      <p:ext uri="{BB962C8B-B14F-4D97-AF65-F5344CB8AC3E}">
-        <p14:creationId xmlns:p14="http://schemas.microsoft.com/office/powerpoint/2010/main" val="2392980696"/>
-      </p:ext>
-    </p:extLst>
-  </p:cSld>
-  <p:clrMapOvr>
-    <a:masterClrMapping/>
-  </p:clrMapOvr>
-</p:sld>
-</file>
-
-<file path=ppt/slides/slide25.xml><?xml version="1.0" encoding="utf-8"?>
-<p:sld xmlns:a="http://schemas.openxmlformats.org/drawingml/2006/main" xmlns:r="http://schemas.openxmlformats.org/officeDocument/2006/relationships" xmlns:p="http://schemas.openxmlformats.org/presentationml/2006/main">
-  <p:cSld>
-    <p:spTree>
-      <p:nvGrpSpPr>
-        <p:cNvPr id="1" name=""/>
-        <p:cNvGrpSpPr/>
-        <p:nvPr/>
-      </p:nvGrpSpPr>
-      <p:grpSpPr>
-        <a:xfrm>
-          <a:off x="0" y="0"/>
-          <a:ext cx="0" cy="0"/>
-          <a:chOff x="0" y="0"/>
-          <a:chExt cx="0" cy="0"/>
-        </a:xfrm>
-      </p:grpSpPr>
-      <p:sp>
-        <p:nvSpPr>
-          <p:cNvPr id="2" name="标题 1"/>
-          <p:cNvSpPr>
-            <a:spLocks noGrp="1"/>
-          </p:cNvSpPr>
-          <p:nvPr>
-            <p:ph type="title"/>
-          </p:nvPr>
-        </p:nvSpPr>
-        <p:spPr/>
-        <p:txBody>
-          <a:bodyPr/>
-          <a:lstStyle/>
-          <a:p>
-            <a:pPr algn="l"/>
-            <a:r>
-              <a:rPr kumimoji="1" lang="en-US" altLang="zh-CN" dirty="0" smtClean="0"/>
-              <a:t>Arguments and return values</a:t>
-            </a:r>
-            <a:endParaRPr kumimoji="1" lang="zh-CN" altLang="en-US" dirty="0"/>
-          </a:p>
-        </p:txBody>
-      </p:sp>
-      <p:sp>
-        <p:nvSpPr>
-          <p:cNvPr id="3" name="内容占位符 2"/>
-          <p:cNvSpPr>
-            <a:spLocks noGrp="1"/>
-          </p:cNvSpPr>
-          <p:nvPr>
-            <p:ph idx="1"/>
-          </p:nvPr>
-        </p:nvSpPr>
-        <p:spPr/>
-        <p:txBody>
-          <a:bodyPr/>
-          <a:lstStyle/>
-          <a:p>
-            <a:r>
-              <a:rPr kumimoji="1" lang="en-US" altLang="zh-CN" dirty="0" smtClean="0"/>
-              <a:t>Find arguments and return values from registers</a:t>
-            </a:r>
-          </a:p>
-          <a:p>
-            <a:r>
-              <a:rPr kumimoji="1" lang="en-US" altLang="zh-CN" dirty="0" smtClean="0"/>
-              <a:t>Exception Frame saves the context of</a:t>
-            </a:r>
-            <a:r>
-              <a:rPr kumimoji="1" lang="mr-IN" altLang="zh-CN" dirty="0" smtClean="0"/>
-              <a:t>…</a:t>
-            </a:r>
-          </a:p>
-          <a:p>
-            <a:pPr lvl="1"/>
-            <a:r>
-              <a:rPr kumimoji="1" lang="mr-IN" altLang="zh-CN" dirty="0" smtClean="0"/>
-              <a:t>System call</a:t>
-            </a:r>
-          </a:p>
-          <a:p>
-            <a:pPr lvl="1"/>
-            <a:r>
-              <a:rPr kumimoji="1" lang="mr-IN" altLang="zh-CN" dirty="0" smtClean="0"/>
-              <a:t>Panic exceptions</a:t>
-            </a:r>
-            <a:endParaRPr kumimoji="1" lang="en-US" altLang="zh-CN" dirty="0" smtClean="0"/>
-          </a:p>
-          <a:p>
-            <a:r>
-              <a:rPr kumimoji="1" lang="en-US" altLang="zh-CN" dirty="0" err="1" smtClean="0"/>
-              <a:t>bt</a:t>
-            </a:r>
-            <a:r>
-              <a:rPr kumimoji="1" lang="en-US" altLang="zh-CN" dirty="0" smtClean="0"/>
-              <a:t> </a:t>
-            </a:r>
-            <a:r>
-              <a:rPr kumimoji="1" lang="mr-IN" altLang="zh-CN" dirty="0" smtClean="0"/>
-              <a:t>–</a:t>
-            </a:r>
-            <a:r>
-              <a:rPr kumimoji="1" lang="en-US" altLang="zh-CN" dirty="0" smtClean="0"/>
-              <a:t>e</a:t>
-            </a:r>
-          </a:p>
-          <a:p>
-            <a:pPr marL="0" indent="0">
-              <a:buNone/>
-            </a:pPr>
-            <a:endParaRPr kumimoji="1" lang="zh-CN" altLang="en-US" dirty="0"/>
-          </a:p>
-        </p:txBody>
-      </p:sp>
-      <p:pic>
-        <p:nvPicPr>
-          <p:cNvPr id="4" name="图片 3" descr="屏幕快照 2017-07-20 上午12.06.24.png"/>
-          <p:cNvPicPr>
-            <a:picLocks noChangeAspect="1"/>
-          </p:cNvPicPr>
-          <p:nvPr/>
-        </p:nvPicPr>
-        <p:blipFill>
-          <a:blip r:embed="rId2">
-            <a:extLst>
-              <a:ext uri="{28A0092B-C50C-407E-A947-70E740481C1C}">
-                <a14:useLocalDpi xmlns:a14="http://schemas.microsoft.com/office/drawing/2010/main" val="0"/>
-              </a:ext>
-            </a:extLst>
-          </a:blip>
-          <a:stretch>
-            <a:fillRect/>
-          </a:stretch>
-        </p:blipFill>
-        <p:spPr>
-          <a:xfrm>
-            <a:off x="1295400" y="4457700"/>
-            <a:ext cx="6426200" cy="2171700"/>
-          </a:xfrm>
-          <a:prstGeom prst="rect">
-            <a:avLst/>
-          </a:prstGeom>
-        </p:spPr>
-      </p:pic>
-      <p:sp>
-        <p:nvSpPr>
-          <p:cNvPr id="5" name="圆角矩形 4"/>
-          <p:cNvSpPr/>
-          <p:nvPr/>
-        </p:nvSpPr>
-        <p:spPr>
-          <a:xfrm>
-            <a:off x="5689600" y="5664200"/>
-            <a:ext cx="2032000" cy="215900"/>
-          </a:xfrm>
-          <a:prstGeom prst="roundRect">
-            <a:avLst/>
-          </a:prstGeom>
-          <a:blipFill dpi="0" rotWithShape="1">
-            <a:blip r:embed="rId3">
-              <a:alphaModFix amt="36000"/>
-              <a:duotone>
-                <a:schemeClr val="accent1">
-                  <a:shade val="30000"/>
-                  <a:satMod val="150000"/>
-                </a:schemeClr>
-                <a:schemeClr val="accent1">
-                  <a:alpha val="10000"/>
-                  <a:satMod val="120000"/>
-                </a:schemeClr>
-              </a:duotone>
-            </a:blip>
-            <a:srcRect/>
-            <a:stretch>
-              <a:fillRect/>
-            </a:stretch>
-          </a:blipFill>
-        </p:spPr>
-        <p:style>
-          <a:lnRef idx="1">
-            <a:schemeClr val="accent1"/>
-          </a:lnRef>
-          <a:fillRef idx="3">
-            <a:schemeClr val="accent1"/>
-          </a:fillRef>
-          <a:effectRef idx="2">
-            <a:schemeClr val="accent1"/>
-          </a:effectRef>
-          <a:fontRef idx="minor">
-            <a:schemeClr val="lt1"/>
-          </a:fontRef>
-        </p:style>
-        <p:txBody>
-          <a:bodyPr rtlCol="0" anchor="ctr"/>
-          <a:lstStyle/>
-          <a:p>
-            <a:pPr algn="ctr"/>
-            <a:endParaRPr kumimoji="1" lang="zh-CN" altLang="en-US"/>
-          </a:p>
-        </p:txBody>
-      </p:sp>
-      <p:sp>
-        <p:nvSpPr>
-          <p:cNvPr id="6" name="圆角矩形 5"/>
-          <p:cNvSpPr/>
-          <p:nvPr/>
-        </p:nvSpPr>
-        <p:spPr>
-          <a:xfrm>
-            <a:off x="1384300" y="4889500"/>
-            <a:ext cx="2603500" cy="279400"/>
-          </a:xfrm>
-          <a:prstGeom prst="roundRect">
-            <a:avLst/>
-          </a:prstGeom>
-          <a:blipFill dpi="0" rotWithShape="1">
-            <a:blip r:embed="rId3">
-              <a:alphaModFix amt="27000"/>
-              <a:duotone>
-                <a:schemeClr val="accent1">
-                  <a:shade val="30000"/>
-                  <a:satMod val="150000"/>
-                </a:schemeClr>
-                <a:schemeClr val="accent1">
-                  <a:alpha val="10000"/>
-                  <a:satMod val="120000"/>
-                </a:schemeClr>
-              </a:duotone>
-            </a:blip>
-            <a:srcRect/>
-            <a:stretch>
-              <a:fillRect/>
-            </a:stretch>
-          </a:blipFill>
-        </p:spPr>
-        <p:style>
-          <a:lnRef idx="1">
-            <a:schemeClr val="accent1"/>
-          </a:lnRef>
-          <a:fillRef idx="3">
-            <a:schemeClr val="accent1"/>
-          </a:fillRef>
-          <a:effectRef idx="2">
-            <a:schemeClr val="accent1"/>
-          </a:effectRef>
-          <a:fontRef idx="minor">
-            <a:schemeClr val="lt1"/>
-          </a:fontRef>
-        </p:style>
-        <p:txBody>
-          <a:bodyPr rtlCol="0" anchor="ctr"/>
-          <a:lstStyle/>
-          <a:p>
-            <a:pPr algn="ctr"/>
-            <a:endParaRPr kumimoji="1" lang="zh-CN" altLang="en-US"/>
-          </a:p>
-        </p:txBody>
-      </p:sp>
-    </p:spTree>
-    <p:extLst>
-      <p:ext uri="{BB962C8B-B14F-4D97-AF65-F5344CB8AC3E}">
-        <p14:creationId xmlns:p14="http://schemas.microsoft.com/office/powerpoint/2010/main" val="2927875636"/>
-      </p:ext>
-    </p:extLst>
-  </p:cSld>
-  <p:clrMapOvr>
-    <a:masterClrMapping/>
-  </p:clrMapOvr>
-</p:sld>
-</file>
-
-<file path=ppt/slides/slide26.xml><?xml version="1.0" encoding="utf-8"?>
-<p:sld xmlns:a="http://schemas.openxmlformats.org/drawingml/2006/main" xmlns:r="http://schemas.openxmlformats.org/officeDocument/2006/relationships" xmlns:p="http://schemas.openxmlformats.org/presentationml/2006/main">
-  <p:cSld>
-    <p:spTree>
-      <p:nvGrpSpPr>
-        <p:cNvPr id="1" name=""/>
-        <p:cNvGrpSpPr/>
-        <p:nvPr/>
-      </p:nvGrpSpPr>
-      <p:grpSpPr>
-        <a:xfrm>
-          <a:off x="0" y="0"/>
-          <a:ext cx="0" cy="0"/>
-          <a:chOff x="0" y="0"/>
-          <a:chExt cx="0" cy="0"/>
-        </a:xfrm>
-      </p:grpSpPr>
-      <p:sp>
-        <p:nvSpPr>
-          <p:cNvPr id="2" name="标题 1"/>
-          <p:cNvSpPr>
-            <a:spLocks noGrp="1"/>
-          </p:cNvSpPr>
-          <p:nvPr>
-            <p:ph type="title"/>
-          </p:nvPr>
-        </p:nvSpPr>
-        <p:spPr/>
-        <p:txBody>
-          <a:bodyPr/>
-          <a:lstStyle/>
-          <a:p>
-            <a:r>
-              <a:rPr kumimoji="1" lang="en-US" altLang="zh-CN" dirty="0" smtClean="0"/>
-              <a:t>x64 </a:t>
-            </a:r>
-            <a:r>
-              <a:rPr kumimoji="1" lang="en-US" altLang="zh-CN" dirty="0" err="1" smtClean="0"/>
-              <a:t>SystemV</a:t>
-            </a:r>
-            <a:r>
-              <a:rPr kumimoji="1" lang="en-US" altLang="zh-CN" dirty="0" smtClean="0"/>
-              <a:t> ABI</a:t>
-            </a:r>
-            <a:endParaRPr kumimoji="1" lang="zh-CN" altLang="en-US" dirty="0"/>
-          </a:p>
-        </p:txBody>
-      </p:sp>
-      <p:pic>
-        <p:nvPicPr>
-          <p:cNvPr id="4" name="图片 3" descr="屏幕快照 2017-07-19 下午10.51.15.png"/>
-          <p:cNvPicPr>
-            <a:picLocks noChangeAspect="1"/>
-          </p:cNvPicPr>
-          <p:nvPr/>
-        </p:nvPicPr>
-        <p:blipFill>
-          <a:blip r:embed="rId2">
-            <a:extLst>
-              <a:ext uri="{28A0092B-C50C-407E-A947-70E740481C1C}">
-                <a14:useLocalDpi xmlns:a14="http://schemas.microsoft.com/office/drawing/2010/main" val="0"/>
-              </a:ext>
-            </a:extLst>
-          </a:blip>
-          <a:stretch>
-            <a:fillRect/>
-          </a:stretch>
-        </p:blipFill>
-        <p:spPr>
-          <a:xfrm>
-            <a:off x="1268413" y="1498600"/>
-            <a:ext cx="7366000" cy="5073082"/>
-          </a:xfrm>
-          <a:prstGeom prst="rect">
-            <a:avLst/>
-          </a:prstGeom>
-        </p:spPr>
-      </p:pic>
-    </p:spTree>
-    <p:extLst>
-      <p:ext uri="{BB962C8B-B14F-4D97-AF65-F5344CB8AC3E}">
-        <p14:creationId xmlns:p14="http://schemas.microsoft.com/office/powerpoint/2010/main" val="1558995750"/>
-      </p:ext>
-    </p:extLst>
-  </p:cSld>
-  <p:clrMapOvr>
-    <a:masterClrMapping/>
-  </p:clrMapOvr>
-</p:sld>
-</file>
-
 <file path=ppt/slides/slide27.xml><?xml version="1.0" encoding="utf-8"?>
 <p:sld xmlns:a="http://schemas.openxmlformats.org/drawingml/2006/main" xmlns:r="http://schemas.openxmlformats.org/officeDocument/2006/relationships" xmlns:p="http://schemas.openxmlformats.org/presentationml/2006/main">
   <p:cSld>
@@ -15190,11 +15182,7 @@
           <a:p>
             <a:r>
               <a:rPr lang="en-US" altLang="zh-CN" sz="2400" dirty="0" smtClean="0"/>
-              <a:t>“</a:t>
-            </a:r>
-            <a:r>
-              <a:rPr lang="en-US" altLang="zh-CN" sz="2400" dirty="0" smtClean="0"/>
-              <a:t>Computers </a:t>
+              <a:t>“Computers </a:t>
             </a:r>
             <a:r>
               <a:rPr lang="en-US" altLang="zh-CN" sz="2400" dirty="0"/>
@@ -15204,7 +15192,6 @@
               <a:rPr lang="en-US" altLang="zh-CN" sz="2400" dirty="0" smtClean="0"/>
               <a:t>.”</a:t>
             </a:r>
-            <a:endParaRPr lang="en-US" altLang="zh-CN" sz="2400" dirty="0" smtClean="0"/>
           </a:p>
           <a:p>
             <a:r>
@@ -15227,31 +15214,7 @@
               <a:rPr kumimoji="1" lang="en-US" altLang="zh-CN" dirty="0" smtClean="0">
                 <a:hlinkClick r:id="rId2"/>
               </a:rPr>
-              <a:t>the </a:t>
-            </a:r>
-            <a:r>
-              <a:rPr kumimoji="1" lang="en-US" altLang="zh-CN" dirty="0" smtClean="0">
-                <a:hlinkClick r:id="rId2"/>
-              </a:rPr>
-              <a:t>“panic</a:t>
-            </a:r>
-            <a:r>
-              <a:rPr kumimoji="1" lang="en-US" altLang="zh-CN" dirty="0" smtClean="0">
-                <a:hlinkClick r:id="rId2"/>
-              </a:rPr>
-              <a:t>”</a:t>
-            </a:r>
-            <a:r>
-              <a:rPr kumimoji="1" lang="en-US" altLang="zh-CN" dirty="0" smtClean="0">
-                <a:hlinkClick r:id="rId2"/>
-              </a:rPr>
-              <a:t> </a:t>
-            </a:r>
-            <a:r>
-              <a:rPr kumimoji="1" lang="en-US" altLang="zh-CN" dirty="0" smtClean="0">
-                <a:hlinkClick r:id="rId2"/>
-              </a:rPr>
-              <a:t>book </a:t>
+              <a:t>the “panic” book </a:t>
             </a:r>
             <a:endParaRPr kumimoji="1" lang="en-US" altLang="zh-CN" dirty="0"/>
           </a:p>
@@ -15624,15 +15587,7 @@
           <a:p>
             <a:r>
               <a:rPr kumimoji="1" lang="en-US" altLang="zh-CN" dirty="0" smtClean="0"/>
-              <a:t>All running</a:t>
-            </a:r>
-            <a:r>
-              <a:rPr kumimoji="1" lang="en-US" altLang="zh-CN" dirty="0" smtClean="0"/>
-              <a:t>/</a:t>
-            </a:r>
-            <a:r>
-              <a:rPr kumimoji="1" lang="en-US" altLang="zh-CN" dirty="0" smtClean="0"/>
-              <a:t>uninterruptable/</a:t>
+              <a:t>All running/uninterruptable/</a:t>
             </a:r>
             <a:r>
               <a:rPr kumimoji="1" lang="en-US" altLang="zh-CN" dirty="0" err="1"/>
@@ -17254,11 +17209,7 @@
           <a:p>
             <a:r>
               <a:rPr kumimoji="1" lang="en-US" altLang="zh-CN" dirty="0" smtClean="0"/>
-              <a:t>Fatal hardware </a:t>
-            </a:r>
-            <a:r>
-              <a:rPr kumimoji="1" lang="en-US" altLang="zh-CN" dirty="0" smtClean="0"/>
-              <a:t>errors</a:t>
+              <a:t>Fatal hardware errors</a:t>
             </a:r>
             <a:r>
               <a:rPr kumimoji="1" lang="mr-IN" altLang="zh-CN" dirty="0" smtClean="0"/>
@@ -17415,11 +17366,7 @@
           <a:p>
             <a:r>
               <a:rPr kumimoji="1" lang="en-US" altLang="zh-CN" dirty="0" smtClean="0"/>
-              <a:t>Other information </a:t>
-            </a:r>
-            <a:r>
-              <a:rPr kumimoji="1" lang="en-US" altLang="zh-CN" dirty="0" smtClean="0"/>
-              <a:t>dump</a:t>
+              <a:t>Other information dump</a:t>
             </a:r>
             <a:r>
               <a:rPr kumimoji="1" lang="mr-IN" altLang="zh-CN" dirty="0" smtClean="0"/>
